--- a/2021년 5월 28일 발표.pptx
+++ b/2021년 5월 28일 발표.pptx
@@ -23,19 +23,15 @@
     <p:sldId id="389" r:id="rId17"/>
     <p:sldId id="376" r:id="rId18"/>
     <p:sldId id="377" r:id="rId19"/>
-    <p:sldId id="378" r:id="rId20"/>
-    <p:sldId id="379" r:id="rId21"/>
-    <p:sldId id="380" r:id="rId22"/>
-    <p:sldId id="390" r:id="rId23"/>
-    <p:sldId id="382" r:id="rId24"/>
-    <p:sldId id="383" r:id="rId25"/>
-    <p:sldId id="384" r:id="rId26"/>
-    <p:sldId id="387" r:id="rId27"/>
-    <p:sldId id="381" r:id="rId28"/>
-    <p:sldId id="391" r:id="rId29"/>
-    <p:sldId id="388" r:id="rId30"/>
-    <p:sldId id="386" r:id="rId31"/>
-    <p:sldId id="392" r:id="rId32"/>
+    <p:sldId id="390" r:id="rId20"/>
+    <p:sldId id="382" r:id="rId21"/>
+    <p:sldId id="383" r:id="rId22"/>
+    <p:sldId id="384" r:id="rId23"/>
+    <p:sldId id="387" r:id="rId24"/>
+    <p:sldId id="391" r:id="rId25"/>
+    <p:sldId id="388" r:id="rId26"/>
+    <p:sldId id="386" r:id="rId27"/>
+    <p:sldId id="392" r:id="rId28"/>
   </p:sldIdLst>
   <p:sldSz cx="12192000" cy="6858000"/>
   <p:notesSz cx="6858000" cy="9144000"/>
@@ -283,7 +279,7 @@
             <a:fld id="{3AC7D0C1-D5FE-48CB-AEB6-E9E3D1C2E343}" type="datetimeFigureOut">
               <a:rPr lang="ko-KR" altLang="en-US" smtClean="0"/>
               <a:pPr/>
-              <a:t>2021-05-27</a:t>
+              <a:t>2021-05-28</a:t>
             </a:fld>
             <a:endParaRPr lang="ko-KR" altLang="en-US"/>
           </a:p>
@@ -453,7 +449,7 @@
             <a:fld id="{3AC7D0C1-D5FE-48CB-AEB6-E9E3D1C2E343}" type="datetimeFigureOut">
               <a:rPr lang="ko-KR" altLang="en-US" smtClean="0"/>
               <a:pPr/>
-              <a:t>2021-05-27</a:t>
+              <a:t>2021-05-28</a:t>
             </a:fld>
             <a:endParaRPr lang="ko-KR" altLang="en-US"/>
           </a:p>
@@ -633,7 +629,7 @@
             <a:fld id="{3AC7D0C1-D5FE-48CB-AEB6-E9E3D1C2E343}" type="datetimeFigureOut">
               <a:rPr lang="ko-KR" altLang="en-US" smtClean="0"/>
               <a:pPr/>
-              <a:t>2021-05-27</a:t>
+              <a:t>2021-05-28</a:t>
             </a:fld>
             <a:endParaRPr lang="ko-KR" altLang="en-US"/>
           </a:p>
@@ -803,7 +799,7 @@
             <a:fld id="{3AC7D0C1-D5FE-48CB-AEB6-E9E3D1C2E343}" type="datetimeFigureOut">
               <a:rPr lang="ko-KR" altLang="en-US" smtClean="0"/>
               <a:pPr/>
-              <a:t>2021-05-27</a:t>
+              <a:t>2021-05-28</a:t>
             </a:fld>
             <a:endParaRPr lang="ko-KR" altLang="en-US"/>
           </a:p>
@@ -1050,7 +1046,7 @@
             <a:fld id="{3AC7D0C1-D5FE-48CB-AEB6-E9E3D1C2E343}" type="datetimeFigureOut">
               <a:rPr lang="ko-KR" altLang="en-US" smtClean="0"/>
               <a:pPr/>
-              <a:t>2021-05-27</a:t>
+              <a:t>2021-05-28</a:t>
             </a:fld>
             <a:endParaRPr lang="ko-KR" altLang="en-US"/>
           </a:p>
@@ -1281,7 +1277,7 @@
             <a:fld id="{3AC7D0C1-D5FE-48CB-AEB6-E9E3D1C2E343}" type="datetimeFigureOut">
               <a:rPr lang="ko-KR" altLang="en-US" smtClean="0"/>
               <a:pPr/>
-              <a:t>2021-05-27</a:t>
+              <a:t>2021-05-28</a:t>
             </a:fld>
             <a:endParaRPr lang="ko-KR" altLang="en-US"/>
           </a:p>
@@ -1647,7 +1643,7 @@
             <a:fld id="{3AC7D0C1-D5FE-48CB-AEB6-E9E3D1C2E343}" type="datetimeFigureOut">
               <a:rPr lang="ko-KR" altLang="en-US" smtClean="0"/>
               <a:pPr/>
-              <a:t>2021-05-27</a:t>
+              <a:t>2021-05-28</a:t>
             </a:fld>
             <a:endParaRPr lang="ko-KR" altLang="en-US"/>
           </a:p>
@@ -1766,7 +1762,7 @@
             <a:fld id="{3AC7D0C1-D5FE-48CB-AEB6-E9E3D1C2E343}" type="datetimeFigureOut">
               <a:rPr lang="ko-KR" altLang="en-US" smtClean="0"/>
               <a:pPr/>
-              <a:t>2021-05-27</a:t>
+              <a:t>2021-05-28</a:t>
             </a:fld>
             <a:endParaRPr lang="ko-KR" altLang="en-US"/>
           </a:p>
@@ -1863,7 +1859,7 @@
             <a:fld id="{3AC7D0C1-D5FE-48CB-AEB6-E9E3D1C2E343}" type="datetimeFigureOut">
               <a:rPr lang="ko-KR" altLang="en-US" smtClean="0"/>
               <a:pPr/>
-              <a:t>2021-05-27</a:t>
+              <a:t>2021-05-28</a:t>
             </a:fld>
             <a:endParaRPr lang="ko-KR" altLang="en-US"/>
           </a:p>
@@ -2140,7 +2136,7 @@
             <a:fld id="{3AC7D0C1-D5FE-48CB-AEB6-E9E3D1C2E343}" type="datetimeFigureOut">
               <a:rPr lang="ko-KR" altLang="en-US" smtClean="0"/>
               <a:pPr/>
-              <a:t>2021-05-27</a:t>
+              <a:t>2021-05-28</a:t>
             </a:fld>
             <a:endParaRPr lang="ko-KR" altLang="en-US"/>
           </a:p>
@@ -2394,7 +2390,7 @@
             <a:fld id="{3AC7D0C1-D5FE-48CB-AEB6-E9E3D1C2E343}" type="datetimeFigureOut">
               <a:rPr lang="ko-KR" altLang="en-US" smtClean="0"/>
               <a:pPr/>
-              <a:t>2021-05-27</a:t>
+              <a:t>2021-05-28</a:t>
             </a:fld>
             <a:endParaRPr lang="ko-KR" altLang="en-US"/>
           </a:p>
@@ -2607,7 +2603,7 @@
             <a:fld id="{3AC7D0C1-D5FE-48CB-AEB6-E9E3D1C2E343}" type="datetimeFigureOut">
               <a:rPr lang="ko-KR" altLang="en-US" smtClean="0"/>
               <a:pPr/>
-              <a:t>2021-05-27</a:t>
+              <a:t>2021-05-28</a:t>
             </a:fld>
             <a:endParaRPr lang="ko-KR" altLang="en-US"/>
           </a:p>
@@ -3145,7 +3141,7 @@
         </p:nvSpPr>
         <p:spPr>
           <a:xfrm>
-            <a:off x="611172" y="2974310"/>
+            <a:off x="611175" y="2974310"/>
             <a:ext cx="10969671" cy="923330"/>
           </a:xfrm>
           <a:prstGeom prst="rect">
@@ -3177,12 +3173,20 @@
               <a:t>&amp; </a:t>
             </a:r>
             <a:r>
-              <a:rPr lang="ko-KR" altLang="en-US" sz="5400" b="1">
+              <a:rPr lang="ko-KR" altLang="en-US" sz="5400" b="1" dirty="0" smtClean="0">
                 <a:solidFill>
                   <a:schemeClr val="bg1"/>
                 </a:solidFill>
               </a:rPr>
-              <a:t>용접로봇 자동화</a:t>
+              <a:t>용접 </a:t>
+            </a:r>
+            <a:r>
+              <a:rPr lang="ko-KR" altLang="en-US" sz="5400" b="1" dirty="0" err="1" smtClean="0">
+                <a:solidFill>
+                  <a:schemeClr val="bg1"/>
+                </a:solidFill>
+              </a:rPr>
+              <a:t>자동화로봇</a:t>
             </a:r>
             <a:endParaRPr lang="ko-KR" altLang="en-US" sz="5400" b="1" dirty="0">
               <a:solidFill>
@@ -5767,7 +5771,7 @@
         <p:spPr>
           <a:xfrm>
             <a:off x="0" y="1755776"/>
-            <a:ext cx="12192000" cy="923330"/>
+            <a:ext cx="12192000" cy="1200329"/>
           </a:xfrm>
           <a:prstGeom prst="rect">
             <a:avLst/>
@@ -5835,8 +5839,29 @@
                   <a:schemeClr val="accent4"/>
                 </a:solidFill>
               </a:rPr>
-              <a:t>상업적인 목적으로도 사용 가능</a:t>
-            </a:r>
+              <a:t>상업적인 목적으로도 사용 </a:t>
+            </a:r>
+            <a:r>
+              <a:rPr lang="ko-KR" altLang="en-US" b="1" dirty="0" smtClean="0">
+                <a:solidFill>
+                  <a:schemeClr val="accent4"/>
+                </a:solidFill>
+              </a:rPr>
+              <a:t>가능</a:t>
+            </a:r>
+            <a:endParaRPr lang="en-US" altLang="ko-KR" b="1" dirty="0" smtClean="0">
+              <a:solidFill>
+                <a:schemeClr val="accent4"/>
+              </a:solidFill>
+            </a:endParaRPr>
+          </a:p>
+          <a:p>
+            <a:pPr marL="342900" indent="-342900"/>
+            <a:endParaRPr lang="en-US" altLang="ko-KR" b="1" dirty="0" smtClean="0">
+              <a:solidFill>
+                <a:schemeClr val="accent4"/>
+              </a:solidFill>
+            </a:endParaRPr>
           </a:p>
         </p:txBody>
       </p:sp>
@@ -6141,7 +6166,15 @@
           <a:p>
             <a:pPr marL="342900" indent="-342900"/>
             <a:r>
-              <a:rPr lang="ko-KR" altLang="en-US" b="1" dirty="0">
+              <a:rPr lang="ko-KR" altLang="en-US" b="1" dirty="0" smtClean="0">
+                <a:solidFill>
+                  <a:schemeClr val="accent4"/>
+                </a:solidFill>
+              </a:rPr>
+              <a:t>현재 작성된 코드는 </a:t>
+            </a:r>
+            <a:r>
+              <a:rPr lang="ko-KR" altLang="en-US" b="1" dirty="0" smtClean="0">
                 <a:solidFill>
                   <a:schemeClr val="accent4"/>
                 </a:solidFill>
@@ -6274,1765 +6307,6 @@
 </file>
 
 <file path=ppt/slides/slide19.xml><?xml version="1.0" encoding="utf-8"?>
-<p:sld xmlns:a="http://schemas.openxmlformats.org/drawingml/2006/main" xmlns:r="http://schemas.openxmlformats.org/officeDocument/2006/relationships" xmlns:p="http://schemas.openxmlformats.org/presentationml/2006/main">
-  <p:cSld>
-    <p:spTree>
-      <p:nvGrpSpPr>
-        <p:cNvPr id="1" name=""/>
-        <p:cNvGrpSpPr/>
-        <p:nvPr/>
-      </p:nvGrpSpPr>
-      <p:grpSpPr>
-        <a:xfrm>
-          <a:off x="0" y="0"/>
-          <a:ext cx="0" cy="0"/>
-          <a:chOff x="0" y="0"/>
-          <a:chExt cx="0" cy="0"/>
-        </a:xfrm>
-      </p:grpSpPr>
-      <p:sp>
-        <p:nvSpPr>
-          <p:cNvPr id="9" name="직사각형 8"/>
-          <p:cNvSpPr/>
-          <p:nvPr/>
-        </p:nvSpPr>
-        <p:spPr>
-          <a:xfrm>
-            <a:off x="0" y="0"/>
-            <a:ext cx="12192000" cy="1638300"/>
-          </a:xfrm>
-          <a:prstGeom prst="rect">
-            <a:avLst/>
-          </a:prstGeom>
-          <a:solidFill>
-            <a:schemeClr val="bg2"/>
-          </a:solidFill>
-          <a:ln>
-            <a:noFill/>
-          </a:ln>
-        </p:spPr>
-        <p:style>
-          <a:lnRef idx="2">
-            <a:schemeClr val="accent1">
-              <a:shade val="50000"/>
-            </a:schemeClr>
-          </a:lnRef>
-          <a:fillRef idx="1">
-            <a:schemeClr val="accent1"/>
-          </a:fillRef>
-          <a:effectRef idx="0">
-            <a:schemeClr val="accent1"/>
-          </a:effectRef>
-          <a:fontRef idx="minor">
-            <a:schemeClr val="lt1"/>
-          </a:fontRef>
-        </p:style>
-        <p:txBody>
-          <a:bodyPr rtlCol="0" anchor="ctr"/>
-          <a:lstStyle/>
-          <a:p>
-            <a:pPr algn="ctr"/>
-            <a:endParaRPr lang="ko-KR" altLang="en-US"/>
-          </a:p>
-        </p:txBody>
-      </p:sp>
-      <p:cxnSp>
-        <p:nvCxnSpPr>
-          <p:cNvPr id="2" name="직선 연결선 1"/>
-          <p:cNvCxnSpPr/>
-          <p:nvPr/>
-        </p:nvCxnSpPr>
-        <p:spPr>
-          <a:xfrm>
-            <a:off x="139700" y="491296"/>
-            <a:ext cx="1993900" cy="0"/>
-          </a:xfrm>
-          <a:prstGeom prst="line">
-            <a:avLst/>
-          </a:prstGeom>
-          <a:ln>
-            <a:solidFill>
-              <a:schemeClr val="accent4"/>
-            </a:solidFill>
-          </a:ln>
-        </p:spPr>
-        <p:style>
-          <a:lnRef idx="1">
-            <a:schemeClr val="accent1"/>
-          </a:lnRef>
-          <a:fillRef idx="0">
-            <a:schemeClr val="accent1"/>
-          </a:fillRef>
-          <a:effectRef idx="0">
-            <a:schemeClr val="accent1"/>
-          </a:effectRef>
-          <a:fontRef idx="minor">
-            <a:schemeClr val="tx1"/>
-          </a:fontRef>
-        </p:style>
-      </p:cxnSp>
-      <p:sp>
-        <p:nvSpPr>
-          <p:cNvPr id="4" name="TextBox 3"/>
-          <p:cNvSpPr txBox="1"/>
-          <p:nvPr/>
-        </p:nvSpPr>
-        <p:spPr>
-          <a:xfrm>
-            <a:off x="1345631" y="652394"/>
-            <a:ext cx="889987" cy="584775"/>
-          </a:xfrm>
-          <a:prstGeom prst="rect">
-            <a:avLst/>
-          </a:prstGeom>
-          <a:noFill/>
-        </p:spPr>
-        <p:txBody>
-          <a:bodyPr wrap="none" rtlCol="0">
-            <a:spAutoFit/>
-          </a:bodyPr>
-          <a:lstStyle/>
-          <a:p>
-            <a:pPr algn="r"/>
-            <a:r>
-              <a:rPr lang="en-US" altLang="ko-KR" sz="3200" b="1" dirty="0">
-                <a:solidFill>
-                  <a:schemeClr val="accent4"/>
-                </a:solidFill>
-              </a:rPr>
-              <a:t>2-2.</a:t>
-            </a:r>
-            <a:endParaRPr lang="ko-KR" altLang="en-US" sz="3200" b="1" dirty="0">
-              <a:solidFill>
-                <a:schemeClr val="accent4"/>
-              </a:solidFill>
-            </a:endParaRPr>
-          </a:p>
-        </p:txBody>
-      </p:sp>
-      <p:sp>
-        <p:nvSpPr>
-          <p:cNvPr id="6" name="TextBox 5"/>
-          <p:cNvSpPr txBox="1"/>
-          <p:nvPr/>
-        </p:nvSpPr>
-        <p:spPr>
-          <a:xfrm>
-            <a:off x="2263852" y="645071"/>
-            <a:ext cx="2800767" cy="553998"/>
-          </a:xfrm>
-          <a:prstGeom prst="rect">
-            <a:avLst/>
-          </a:prstGeom>
-          <a:noFill/>
-        </p:spPr>
-        <p:txBody>
-          <a:bodyPr wrap="none" rtlCol="0">
-            <a:spAutoFit/>
-          </a:bodyPr>
-          <a:lstStyle/>
-          <a:p>
-            <a:r>
-              <a:rPr lang="en-US" altLang="ko-KR" sz="3000" b="1" spc="-150" dirty="0">
-                <a:solidFill>
-                  <a:schemeClr val="accent4"/>
-                </a:solidFill>
-                <a:latin typeface="+mj-ea"/>
-              </a:rPr>
-              <a:t>Calibration Tool</a:t>
-            </a:r>
-            <a:endParaRPr lang="ko-KR" altLang="en-US" sz="3000" b="1" spc="-150" dirty="0">
-              <a:solidFill>
-                <a:schemeClr val="accent4"/>
-              </a:solidFill>
-              <a:latin typeface="+mj-ea"/>
-            </a:endParaRPr>
-          </a:p>
-        </p:txBody>
-      </p:sp>
-      <p:pic>
-        <p:nvPicPr>
-          <p:cNvPr id="8" name="Picture 3" descr="C:\Users\user\Desktop\2021년 1월 15일\calsdf.JPG"/>
-          <p:cNvPicPr>
-            <a:picLocks noChangeAspect="1" noChangeArrowheads="1"/>
-          </p:cNvPicPr>
-          <p:nvPr/>
-        </p:nvPicPr>
-        <p:blipFill>
-          <a:blip r:embed="rId2" cstate="print"/>
-          <a:srcRect r="44185" b="44014"/>
-          <a:stretch>
-            <a:fillRect/>
-          </a:stretch>
-        </p:blipFill>
-        <p:spPr bwMode="auto">
-          <a:xfrm>
-            <a:off x="1297858" y="1877567"/>
-            <a:ext cx="6660233" cy="3798624"/>
-          </a:xfrm>
-          <a:prstGeom prst="rect">
-            <a:avLst/>
-          </a:prstGeom>
-          <a:noFill/>
-        </p:spPr>
-      </p:pic>
-      <p:pic>
-        <p:nvPicPr>
-          <p:cNvPr id="12" name="Picture 2" descr="C:\Users\user\Desktop\xyz.JPG"/>
-          <p:cNvPicPr>
-            <a:picLocks noChangeAspect="1" noChangeArrowheads="1"/>
-          </p:cNvPicPr>
-          <p:nvPr/>
-        </p:nvPicPr>
-        <p:blipFill>
-          <a:blip r:embed="rId3" cstate="print"/>
-          <a:srcRect l="76473" t="10725"/>
-          <a:stretch>
-            <a:fillRect/>
-          </a:stretch>
-        </p:blipFill>
-        <p:spPr bwMode="auto">
-          <a:xfrm>
-            <a:off x="8380592" y="1767772"/>
-            <a:ext cx="1872208" cy="4647777"/>
-          </a:xfrm>
-          <a:prstGeom prst="rect">
-            <a:avLst/>
-          </a:prstGeom>
-          <a:noFill/>
-        </p:spPr>
-      </p:pic>
-    </p:spTree>
-    <p:extLst>
-      <p:ext uri="{BB962C8B-B14F-4D97-AF65-F5344CB8AC3E}">
-        <p14:creationId xmlns:p14="http://schemas.microsoft.com/office/powerpoint/2010/main" xmlns="" val="3168494829"/>
-      </p:ext>
-    </p:extLst>
-  </p:cSld>
-  <p:clrMapOvr>
-    <a:masterClrMapping/>
-  </p:clrMapOvr>
-</p:sld>
-</file>
-
-<file path=ppt/slides/slide2.xml><?xml version="1.0" encoding="utf-8"?>
-<p:sld xmlns:a="http://schemas.openxmlformats.org/drawingml/2006/main" xmlns:r="http://schemas.openxmlformats.org/officeDocument/2006/relationships" xmlns:p="http://schemas.openxmlformats.org/presentationml/2006/main">
-  <p:cSld>
-    <p:bg>
-      <p:bgPr>
-        <a:solidFill>
-          <a:schemeClr val="bg2"/>
-        </a:solidFill>
-        <a:effectLst/>
-      </p:bgPr>
-    </p:bg>
-    <p:spTree>
-      <p:nvGrpSpPr>
-        <p:cNvPr id="1" name=""/>
-        <p:cNvGrpSpPr/>
-        <p:nvPr/>
-      </p:nvGrpSpPr>
-      <p:grpSpPr>
-        <a:xfrm>
-          <a:off x="0" y="0"/>
-          <a:ext cx="0" cy="0"/>
-          <a:chOff x="0" y="0"/>
-          <a:chExt cx="0" cy="0"/>
-        </a:xfrm>
-      </p:grpSpPr>
-      <p:pic>
-        <p:nvPicPr>
-          <p:cNvPr id="8" name="그림 7"/>
-          <p:cNvPicPr>
-            <a:picLocks noChangeAspect="1"/>
-          </p:cNvPicPr>
-          <p:nvPr/>
-        </p:nvPicPr>
-        <p:blipFill rotWithShape="1">
-          <a:blip r:embed="rId2" cstate="print">
-            <a:extLst>
-              <a:ext uri="{28A0092B-C50C-407E-A947-70E740481C1C}">
-                <a14:useLocalDpi xmlns:a14="http://schemas.microsoft.com/office/drawing/2010/main" xmlns="" val="0"/>
-              </a:ext>
-            </a:extLst>
-          </a:blip>
-          <a:srcRect t="3907" b="11720"/>
-          <a:stretch/>
-        </p:blipFill>
-        <p:spPr>
-          <a:xfrm>
-            <a:off x="0" y="0"/>
-            <a:ext cx="12192000" cy="6858000"/>
-          </a:xfrm>
-          <a:prstGeom prst="rect">
-            <a:avLst/>
-          </a:prstGeom>
-        </p:spPr>
-      </p:pic>
-      <p:sp>
-        <p:nvSpPr>
-          <p:cNvPr id="22" name="직사각형 21"/>
-          <p:cNvSpPr/>
-          <p:nvPr/>
-        </p:nvSpPr>
-        <p:spPr>
-          <a:xfrm>
-            <a:off x="0" y="0"/>
-            <a:ext cx="12237082" cy="6858000"/>
-          </a:xfrm>
-          <a:prstGeom prst="rect">
-            <a:avLst/>
-          </a:prstGeom>
-          <a:solidFill>
-            <a:schemeClr val="accent4">
-              <a:alpha val="80000"/>
-            </a:schemeClr>
-          </a:solidFill>
-          <a:ln>
-            <a:noFill/>
-          </a:ln>
-        </p:spPr>
-        <p:style>
-          <a:lnRef idx="2">
-            <a:schemeClr val="accent1">
-              <a:shade val="50000"/>
-            </a:schemeClr>
-          </a:lnRef>
-          <a:fillRef idx="1">
-            <a:schemeClr val="accent1"/>
-          </a:fillRef>
-          <a:effectRef idx="0">
-            <a:schemeClr val="accent1"/>
-          </a:effectRef>
-          <a:fontRef idx="minor">
-            <a:schemeClr val="lt1"/>
-          </a:fontRef>
-        </p:style>
-        <p:txBody>
-          <a:bodyPr rtlCol="0" anchor="ctr"/>
-          <a:lstStyle/>
-          <a:p>
-            <a:pPr algn="ctr"/>
-            <a:endParaRPr lang="ko-KR" altLang="en-US" dirty="0"/>
-          </a:p>
-        </p:txBody>
-      </p:sp>
-      <p:sp>
-        <p:nvSpPr>
-          <p:cNvPr id="3" name="타원 2"/>
-          <p:cNvSpPr/>
-          <p:nvPr/>
-        </p:nvSpPr>
-        <p:spPr>
-          <a:xfrm>
-            <a:off x="1219200" y="2247829"/>
-            <a:ext cx="388681" cy="388681"/>
-          </a:xfrm>
-          <a:prstGeom prst="ellipse">
-            <a:avLst/>
-          </a:prstGeom>
-          <a:noFill/>
-          <a:ln w="101600">
-            <a:solidFill>
-              <a:schemeClr val="accent2"/>
-            </a:solidFill>
-          </a:ln>
-        </p:spPr>
-        <p:style>
-          <a:lnRef idx="2">
-            <a:schemeClr val="accent1">
-              <a:shade val="50000"/>
-            </a:schemeClr>
-          </a:lnRef>
-          <a:fillRef idx="1">
-            <a:schemeClr val="accent1"/>
-          </a:fillRef>
-          <a:effectRef idx="0">
-            <a:schemeClr val="accent1"/>
-          </a:effectRef>
-          <a:fontRef idx="minor">
-            <a:schemeClr val="lt1"/>
-          </a:fontRef>
-        </p:style>
-        <p:txBody>
-          <a:bodyPr rtlCol="0" anchor="ctr"/>
-          <a:lstStyle/>
-          <a:p>
-            <a:pPr algn="ctr"/>
-            <a:endParaRPr lang="ko-KR" altLang="en-US"/>
-          </a:p>
-        </p:txBody>
-      </p:sp>
-      <p:sp>
-        <p:nvSpPr>
-          <p:cNvPr id="9" name="TextBox 8"/>
-          <p:cNvSpPr txBox="1"/>
-          <p:nvPr/>
-        </p:nvSpPr>
-        <p:spPr>
-          <a:xfrm>
-            <a:off x="1713824" y="2273229"/>
-            <a:ext cx="545342" cy="369332"/>
-          </a:xfrm>
-          <a:prstGeom prst="rect">
-            <a:avLst/>
-          </a:prstGeom>
-          <a:noFill/>
-        </p:spPr>
-        <p:txBody>
-          <a:bodyPr wrap="none" rtlCol="0">
-            <a:spAutoFit/>
-          </a:bodyPr>
-          <a:lstStyle/>
-          <a:p>
-            <a:r>
-              <a:rPr lang="en-US" altLang="ko-KR" dirty="0">
-                <a:solidFill>
-                  <a:schemeClr val="bg1"/>
-                </a:solidFill>
-              </a:rPr>
-              <a:t>001</a:t>
-            </a:r>
-            <a:endParaRPr lang="ko-KR" altLang="en-US" dirty="0">
-              <a:solidFill>
-                <a:schemeClr val="bg1"/>
-              </a:solidFill>
-            </a:endParaRPr>
-          </a:p>
-        </p:txBody>
-      </p:sp>
-      <p:sp>
-        <p:nvSpPr>
-          <p:cNvPr id="10" name="TextBox 9"/>
-          <p:cNvSpPr txBox="1"/>
-          <p:nvPr/>
-        </p:nvSpPr>
-        <p:spPr>
-          <a:xfrm>
-            <a:off x="1713824" y="3542048"/>
-            <a:ext cx="603050" cy="369332"/>
-          </a:xfrm>
-          <a:prstGeom prst="rect">
-            <a:avLst/>
-          </a:prstGeom>
-          <a:noFill/>
-        </p:spPr>
-        <p:txBody>
-          <a:bodyPr wrap="none" rtlCol="0">
-            <a:spAutoFit/>
-          </a:bodyPr>
-          <a:lstStyle/>
-          <a:p>
-            <a:r>
-              <a:rPr lang="en-US" altLang="ko-KR" dirty="0">
-                <a:solidFill>
-                  <a:schemeClr val="bg1"/>
-                </a:solidFill>
-              </a:rPr>
-              <a:t>002</a:t>
-            </a:r>
-            <a:endParaRPr lang="ko-KR" altLang="en-US" dirty="0">
-              <a:solidFill>
-                <a:schemeClr val="bg1"/>
-              </a:solidFill>
-            </a:endParaRPr>
-          </a:p>
-        </p:txBody>
-      </p:sp>
-      <p:sp>
-        <p:nvSpPr>
-          <p:cNvPr id="13" name="TextBox 12"/>
-          <p:cNvSpPr txBox="1"/>
-          <p:nvPr/>
-        </p:nvSpPr>
-        <p:spPr>
-          <a:xfrm>
-            <a:off x="2259166" y="2273229"/>
-            <a:ext cx="1665841" cy="369332"/>
-          </a:xfrm>
-          <a:prstGeom prst="rect">
-            <a:avLst/>
-          </a:prstGeom>
-          <a:noFill/>
-        </p:spPr>
-        <p:txBody>
-          <a:bodyPr wrap="none" rtlCol="0">
-            <a:spAutoFit/>
-          </a:bodyPr>
-          <a:lstStyle/>
-          <a:p>
-            <a:r>
-              <a:rPr lang="ko-KR" altLang="en-US" spc="-150" dirty="0">
-                <a:solidFill>
-                  <a:schemeClr val="bg1"/>
-                </a:solidFill>
-              </a:rPr>
-              <a:t>도면해석자동화</a:t>
-            </a:r>
-          </a:p>
-        </p:txBody>
-      </p:sp>
-      <p:sp>
-        <p:nvSpPr>
-          <p:cNvPr id="14" name="TextBox 13"/>
-          <p:cNvSpPr txBox="1"/>
-          <p:nvPr/>
-        </p:nvSpPr>
-        <p:spPr>
-          <a:xfrm>
-            <a:off x="2259166" y="3542048"/>
-            <a:ext cx="1665841" cy="369332"/>
-          </a:xfrm>
-          <a:prstGeom prst="rect">
-            <a:avLst/>
-          </a:prstGeom>
-          <a:noFill/>
-        </p:spPr>
-        <p:txBody>
-          <a:bodyPr wrap="none" rtlCol="0">
-            <a:spAutoFit/>
-          </a:bodyPr>
-          <a:lstStyle/>
-          <a:p>
-            <a:r>
-              <a:rPr lang="ko-KR" altLang="en-US" spc="-150" dirty="0">
-                <a:solidFill>
-                  <a:schemeClr val="bg1"/>
-                </a:solidFill>
-              </a:rPr>
-              <a:t>용접로봇자동화</a:t>
-            </a:r>
-          </a:p>
-        </p:txBody>
-      </p:sp>
-      <p:sp>
-        <p:nvSpPr>
-          <p:cNvPr id="17" name="TextBox 16"/>
-          <p:cNvSpPr txBox="1"/>
-          <p:nvPr/>
-        </p:nvSpPr>
-        <p:spPr>
-          <a:xfrm>
-            <a:off x="2259166" y="2674193"/>
-            <a:ext cx="3541394" cy="612925"/>
-          </a:xfrm>
-          <a:prstGeom prst="rect">
-            <a:avLst/>
-          </a:prstGeom>
-          <a:noFill/>
-        </p:spPr>
-        <p:txBody>
-          <a:bodyPr wrap="square" rtlCol="0">
-            <a:spAutoFit/>
-          </a:bodyPr>
-          <a:lstStyle/>
-          <a:p>
-            <a:pPr marL="180975" indent="-180975">
-              <a:lnSpc>
-                <a:spcPct val="130000"/>
-              </a:lnSpc>
-            </a:pPr>
-            <a:endParaRPr lang="en-US" altLang="ko-KR" sz="1400" spc="-150" dirty="0">
-              <a:solidFill>
-                <a:schemeClr val="bg1"/>
-              </a:solidFill>
-              <a:latin typeface="Noto Sans CJK KR Thin" panose="020B0200000000000000" pitchFamily="34" charset="-127"/>
-              <a:ea typeface="Noto Sans CJK KR Thin" panose="020B0200000000000000" pitchFamily="34" charset="-127"/>
-              <a:cs typeface="Arial" panose="020B0604020202020204" pitchFamily="34" charset="0"/>
-            </a:endParaRPr>
-          </a:p>
-          <a:p>
-            <a:pPr marL="180975" indent="-180975">
-              <a:lnSpc>
-                <a:spcPct val="130000"/>
-              </a:lnSpc>
-              <a:buFont typeface="Wingdings" panose="05000000000000000000" pitchFamily="2" charset="2"/>
-              <a:buChar char="§"/>
-            </a:pPr>
-            <a:endParaRPr lang="ko-KR" altLang="en-US" sz="1400" spc="-150" dirty="0">
-              <a:solidFill>
-                <a:schemeClr val="bg1"/>
-              </a:solidFill>
-              <a:latin typeface="Noto Sans CJK KR Thin" panose="020B0200000000000000" pitchFamily="34" charset="-127"/>
-              <a:ea typeface="Noto Sans CJK KR Thin" panose="020B0200000000000000" pitchFamily="34" charset="-127"/>
-              <a:cs typeface="Arial" panose="020B0604020202020204" pitchFamily="34" charset="0"/>
-            </a:endParaRPr>
-          </a:p>
-        </p:txBody>
-      </p:sp>
-      <p:cxnSp>
-        <p:nvCxnSpPr>
-          <p:cNvPr id="23" name="직선 연결선 22"/>
-          <p:cNvCxnSpPr/>
-          <p:nvPr/>
-        </p:nvCxnSpPr>
-        <p:spPr>
-          <a:xfrm>
-            <a:off x="139700" y="491296"/>
-            <a:ext cx="1993900" cy="0"/>
-          </a:xfrm>
-          <a:prstGeom prst="line">
-            <a:avLst/>
-          </a:prstGeom>
-          <a:ln>
-            <a:solidFill>
-              <a:schemeClr val="bg1"/>
-            </a:solidFill>
-          </a:ln>
-        </p:spPr>
-        <p:style>
-          <a:lnRef idx="1">
-            <a:schemeClr val="accent1"/>
-          </a:lnRef>
-          <a:fillRef idx="0">
-            <a:schemeClr val="accent1"/>
-          </a:fillRef>
-          <a:effectRef idx="0">
-            <a:schemeClr val="accent1"/>
-          </a:effectRef>
-          <a:fontRef idx="minor">
-            <a:schemeClr val="tx1"/>
-          </a:fontRef>
-        </p:style>
-      </p:cxnSp>
-      <p:sp>
-        <p:nvSpPr>
-          <p:cNvPr id="24" name="타원 23"/>
-          <p:cNvSpPr/>
-          <p:nvPr/>
-        </p:nvSpPr>
-        <p:spPr>
-          <a:xfrm>
-            <a:off x="1219200" y="3542048"/>
-            <a:ext cx="388681" cy="388681"/>
-          </a:xfrm>
-          <a:prstGeom prst="ellipse">
-            <a:avLst/>
-          </a:prstGeom>
-          <a:noFill/>
-          <a:ln w="101600">
-            <a:solidFill>
-              <a:schemeClr val="accent2"/>
-            </a:solidFill>
-          </a:ln>
-        </p:spPr>
-        <p:style>
-          <a:lnRef idx="2">
-            <a:schemeClr val="accent1">
-              <a:shade val="50000"/>
-            </a:schemeClr>
-          </a:lnRef>
-          <a:fillRef idx="1">
-            <a:schemeClr val="accent1"/>
-          </a:fillRef>
-          <a:effectRef idx="0">
-            <a:schemeClr val="accent1"/>
-          </a:effectRef>
-          <a:fontRef idx="minor">
-            <a:schemeClr val="lt1"/>
-          </a:fontRef>
-        </p:style>
-        <p:txBody>
-          <a:bodyPr rtlCol="0" anchor="ctr"/>
-          <a:lstStyle/>
-          <a:p>
-            <a:pPr algn="ctr"/>
-            <a:endParaRPr lang="ko-KR" altLang="en-US"/>
-          </a:p>
-        </p:txBody>
-      </p:sp>
-      <p:sp>
-        <p:nvSpPr>
-          <p:cNvPr id="28" name="TextBox 27"/>
-          <p:cNvSpPr txBox="1"/>
-          <p:nvPr/>
-        </p:nvSpPr>
-        <p:spPr>
-          <a:xfrm>
-            <a:off x="886674" y="588588"/>
-            <a:ext cx="1372492" cy="369332"/>
-          </a:xfrm>
-          <a:prstGeom prst="rect">
-            <a:avLst/>
-          </a:prstGeom>
-          <a:noFill/>
-        </p:spPr>
-        <p:txBody>
-          <a:bodyPr wrap="none" rtlCol="0">
-            <a:spAutoFit/>
-          </a:bodyPr>
-          <a:lstStyle/>
-          <a:p>
-            <a:r>
-              <a:rPr lang="en-US" altLang="ko-KR" dirty="0">
-                <a:solidFill>
-                  <a:schemeClr val="bg1"/>
-                </a:solidFill>
-              </a:rPr>
-              <a:t>CONTENTS</a:t>
-            </a:r>
-            <a:endParaRPr lang="ko-KR" altLang="en-US" dirty="0">
-              <a:solidFill>
-                <a:schemeClr val="bg1"/>
-              </a:solidFill>
-            </a:endParaRPr>
-          </a:p>
-        </p:txBody>
-      </p:sp>
-      <p:sp>
-        <p:nvSpPr>
-          <p:cNvPr id="29" name="TextBox 28"/>
-          <p:cNvSpPr txBox="1"/>
-          <p:nvPr/>
-        </p:nvSpPr>
-        <p:spPr>
-          <a:xfrm>
-            <a:off x="9715499" y="6505575"/>
-            <a:ext cx="2406429" cy="215444"/>
-          </a:xfrm>
-          <a:prstGeom prst="rect">
-            <a:avLst/>
-          </a:prstGeom>
-          <a:noFill/>
-        </p:spPr>
-        <p:txBody>
-          <a:bodyPr wrap="none" rtlCol="0">
-            <a:spAutoFit/>
-          </a:bodyPr>
-          <a:lstStyle/>
-          <a:p>
-            <a:pPr algn="r"/>
-            <a:r>
-              <a:rPr lang="en-US" altLang="ko-KR" sz="800" dirty="0">
-                <a:solidFill>
-                  <a:schemeClr val="bg1"/>
-                </a:solidFill>
-                <a:latin typeface="+mn-ea"/>
-              </a:rPr>
-              <a:t>Copyrightⓒ. Saebyeol Yu. All Rights Reserved.</a:t>
-            </a:r>
-            <a:endParaRPr lang="ko-KR" altLang="en-US" sz="800" dirty="0">
-              <a:solidFill>
-                <a:schemeClr val="bg1"/>
-              </a:solidFill>
-              <a:latin typeface="+mn-ea"/>
-            </a:endParaRPr>
-          </a:p>
-        </p:txBody>
-      </p:sp>
-      <p:sp>
-        <p:nvSpPr>
-          <p:cNvPr id="15" name="TextBox 14"/>
-          <p:cNvSpPr txBox="1"/>
-          <p:nvPr/>
-        </p:nvSpPr>
-        <p:spPr>
-          <a:xfrm>
-            <a:off x="2259166" y="2674193"/>
-            <a:ext cx="3541394" cy="652486"/>
-          </a:xfrm>
-          <a:prstGeom prst="rect">
-            <a:avLst/>
-          </a:prstGeom>
-          <a:noFill/>
-        </p:spPr>
-        <p:txBody>
-          <a:bodyPr wrap="square" rtlCol="0">
-            <a:spAutoFit/>
-          </a:bodyPr>
-          <a:lstStyle/>
-          <a:p>
-            <a:pPr marL="180975" indent="-180975">
-              <a:lnSpc>
-                <a:spcPct val="130000"/>
-              </a:lnSpc>
-              <a:buFont typeface="Wingdings" panose="05000000000000000000" pitchFamily="2" charset="2"/>
-              <a:buChar char="§"/>
-            </a:pPr>
-            <a:r>
-              <a:rPr lang="ko-KR" altLang="en-US" sz="1400" spc="-150" dirty="0">
-                <a:solidFill>
-                  <a:schemeClr val="bg1"/>
-                </a:solidFill>
-                <a:latin typeface="Noto Sans CJK KR Thin" panose="020B0200000000000000" pitchFamily="34" charset="-127"/>
-                <a:ea typeface="Noto Sans CJK KR Thin" panose="020B0200000000000000" pitchFamily="34" charset="-127"/>
-                <a:cs typeface="Arial" panose="020B0604020202020204" pitchFamily="34" charset="0"/>
-              </a:rPr>
-              <a:t>금주 진행상황</a:t>
-            </a:r>
-            <a:endParaRPr lang="en-US" altLang="ko-KR" sz="1400" spc="-150" dirty="0">
-              <a:solidFill>
-                <a:schemeClr val="bg1"/>
-              </a:solidFill>
-              <a:latin typeface="Noto Sans CJK KR Thin" panose="020B0200000000000000" pitchFamily="34" charset="-127"/>
-              <a:ea typeface="Noto Sans CJK KR Thin" panose="020B0200000000000000" pitchFamily="34" charset="-127"/>
-              <a:cs typeface="Arial" panose="020B0604020202020204" pitchFamily="34" charset="0"/>
-            </a:endParaRPr>
-          </a:p>
-          <a:p>
-            <a:pPr marL="180975" indent="-180975">
-              <a:lnSpc>
-                <a:spcPct val="130000"/>
-              </a:lnSpc>
-              <a:buFont typeface="Wingdings" panose="05000000000000000000" pitchFamily="2" charset="2"/>
-              <a:buChar char="§"/>
-            </a:pPr>
-            <a:r>
-              <a:rPr lang="ko-KR" altLang="en-US" sz="1400" spc="-150" dirty="0" err="1">
-                <a:solidFill>
-                  <a:schemeClr val="bg1"/>
-                </a:solidFill>
-                <a:latin typeface="Noto Sans CJK KR Thin" panose="020B0200000000000000" pitchFamily="34" charset="-127"/>
-                <a:ea typeface="Noto Sans CJK KR Thin" panose="020B0200000000000000" pitchFamily="34" charset="-127"/>
-                <a:cs typeface="Arial" panose="020B0604020202020204" pitchFamily="34" charset="0"/>
-              </a:rPr>
-              <a:t>향후계획</a:t>
-            </a:r>
-            <a:endParaRPr lang="ko-KR" altLang="en-US" sz="1400" spc="-150" dirty="0">
-              <a:solidFill>
-                <a:schemeClr val="bg1"/>
-              </a:solidFill>
-              <a:latin typeface="Noto Sans CJK KR Thin" panose="020B0200000000000000" pitchFamily="34" charset="-127"/>
-              <a:ea typeface="Noto Sans CJK KR Thin" panose="020B0200000000000000" pitchFamily="34" charset="-127"/>
-              <a:cs typeface="Arial" panose="020B0604020202020204" pitchFamily="34" charset="0"/>
-            </a:endParaRPr>
-          </a:p>
-        </p:txBody>
-      </p:sp>
-      <p:sp>
-        <p:nvSpPr>
-          <p:cNvPr id="16" name="TextBox 15"/>
-          <p:cNvSpPr txBox="1"/>
-          <p:nvPr/>
-        </p:nvSpPr>
-        <p:spPr>
-          <a:xfrm>
-            <a:off x="2286874" y="3948812"/>
-            <a:ext cx="3541394" cy="1492716"/>
-          </a:xfrm>
-          <a:prstGeom prst="rect">
-            <a:avLst/>
-          </a:prstGeom>
-          <a:noFill/>
-        </p:spPr>
-        <p:txBody>
-          <a:bodyPr wrap="square" rtlCol="0">
-            <a:spAutoFit/>
-          </a:bodyPr>
-          <a:lstStyle/>
-          <a:p>
-            <a:pPr marL="180975" indent="-180975">
-              <a:lnSpc>
-                <a:spcPct val="130000"/>
-              </a:lnSpc>
-              <a:buFont typeface="Wingdings" panose="05000000000000000000" pitchFamily="2" charset="2"/>
-              <a:buChar char="§"/>
-            </a:pPr>
-            <a:r>
-              <a:rPr lang="en-US" altLang="ko-KR" sz="1400" spc="-150" dirty="0">
-                <a:solidFill>
-                  <a:schemeClr val="bg1"/>
-                </a:solidFill>
-                <a:latin typeface="Noto Sans CJK KR Thin" panose="020B0200000000000000" pitchFamily="34" charset="-127"/>
-                <a:ea typeface="Noto Sans CJK KR Thin" panose="020B0200000000000000" pitchFamily="34" charset="-127"/>
-                <a:cs typeface="Arial" panose="020B0604020202020204" pitchFamily="34" charset="0"/>
-              </a:rPr>
-              <a:t>Hand – Eye Calibration</a:t>
-            </a:r>
-          </a:p>
-          <a:p>
-            <a:pPr marL="180975" indent="-180975">
-              <a:lnSpc>
-                <a:spcPct val="130000"/>
-              </a:lnSpc>
-              <a:buFont typeface="Wingdings" panose="05000000000000000000" pitchFamily="2" charset="2"/>
-              <a:buChar char="§"/>
-            </a:pPr>
-            <a:r>
-              <a:rPr lang="ko-KR" altLang="en-US" sz="1400" spc="-150" dirty="0">
-                <a:solidFill>
-                  <a:schemeClr val="bg1"/>
-                </a:solidFill>
-                <a:latin typeface="Noto Sans CJK KR Thin" panose="020B0200000000000000" pitchFamily="34" charset="-127"/>
-                <a:ea typeface="Noto Sans CJK KR Thin" panose="020B0200000000000000" pitchFamily="34" charset="-127"/>
-                <a:cs typeface="Arial" panose="020B0604020202020204" pitchFamily="34" charset="0"/>
-              </a:rPr>
-              <a:t>용접자동화</a:t>
-            </a:r>
-            <a:endParaRPr lang="en-US" altLang="ko-KR" sz="1400" spc="-150" dirty="0">
-              <a:solidFill>
-                <a:schemeClr val="bg1"/>
-              </a:solidFill>
-              <a:latin typeface="Noto Sans CJK KR Thin" panose="020B0200000000000000" pitchFamily="34" charset="-127"/>
-              <a:ea typeface="Noto Sans CJK KR Thin" panose="020B0200000000000000" pitchFamily="34" charset="-127"/>
-              <a:cs typeface="Arial" panose="020B0604020202020204" pitchFamily="34" charset="0"/>
-            </a:endParaRPr>
-          </a:p>
-          <a:p>
-            <a:pPr marL="180975" indent="-180975">
-              <a:lnSpc>
-                <a:spcPct val="130000"/>
-              </a:lnSpc>
-              <a:buFont typeface="Wingdings" panose="05000000000000000000" pitchFamily="2" charset="2"/>
-              <a:buChar char="§"/>
-            </a:pPr>
-            <a:r>
-              <a:rPr lang="ko-KR" altLang="en-US" sz="1400" spc="-150" dirty="0">
-                <a:solidFill>
-                  <a:schemeClr val="bg1"/>
-                </a:solidFill>
-                <a:latin typeface="Noto Sans CJK KR Thin" panose="020B0200000000000000" pitchFamily="34" charset="-127"/>
-                <a:ea typeface="Noto Sans CJK KR Thin" panose="020B0200000000000000" pitchFamily="34" charset="-127"/>
-                <a:cs typeface="Arial" panose="020B0604020202020204" pitchFamily="34" charset="0"/>
-              </a:rPr>
-              <a:t>용접불량검사</a:t>
-            </a:r>
-            <a:endParaRPr lang="en-US" altLang="ko-KR" sz="1400" spc="-150" dirty="0">
-              <a:solidFill>
-                <a:schemeClr val="bg1"/>
-              </a:solidFill>
-              <a:latin typeface="Noto Sans CJK KR Thin" panose="020B0200000000000000" pitchFamily="34" charset="-127"/>
-              <a:ea typeface="Noto Sans CJK KR Thin" panose="020B0200000000000000" pitchFamily="34" charset="-127"/>
-              <a:cs typeface="Arial" panose="020B0604020202020204" pitchFamily="34" charset="0"/>
-            </a:endParaRPr>
-          </a:p>
-          <a:p>
-            <a:pPr marL="180975" indent="-180975">
-              <a:lnSpc>
-                <a:spcPct val="130000"/>
-              </a:lnSpc>
-              <a:buFont typeface="Wingdings" panose="05000000000000000000" pitchFamily="2" charset="2"/>
-              <a:buChar char="§"/>
-            </a:pPr>
-            <a:r>
-              <a:rPr lang="ko-KR" altLang="en-US" sz="1400" spc="-150" dirty="0" err="1">
-                <a:solidFill>
-                  <a:schemeClr val="bg1"/>
-                </a:solidFill>
-                <a:latin typeface="Noto Sans CJK KR Thin" panose="020B0200000000000000" pitchFamily="34" charset="-127"/>
-                <a:ea typeface="Noto Sans CJK KR Thin" panose="020B0200000000000000" pitchFamily="34" charset="-127"/>
-                <a:cs typeface="Arial" panose="020B0604020202020204" pitchFamily="34" charset="0"/>
-              </a:rPr>
-              <a:t>향후계획</a:t>
-            </a:r>
-            <a:endParaRPr lang="ko-KR" altLang="en-US" sz="1400" spc="-150" dirty="0">
-              <a:solidFill>
-                <a:schemeClr val="bg1"/>
-              </a:solidFill>
-              <a:latin typeface="Noto Sans CJK KR Thin" panose="020B0200000000000000" pitchFamily="34" charset="-127"/>
-              <a:ea typeface="Noto Sans CJK KR Thin" panose="020B0200000000000000" pitchFamily="34" charset="-127"/>
-              <a:cs typeface="Arial" panose="020B0604020202020204" pitchFamily="34" charset="0"/>
-            </a:endParaRPr>
-          </a:p>
-          <a:p>
-            <a:pPr marL="180975" indent="-180975">
-              <a:lnSpc>
-                <a:spcPct val="130000"/>
-              </a:lnSpc>
-              <a:buFont typeface="Wingdings" panose="05000000000000000000" pitchFamily="2" charset="2"/>
-              <a:buChar char="§"/>
-            </a:pPr>
-            <a:endParaRPr lang="ko-KR" altLang="en-US" sz="1400" spc="-150" dirty="0">
-              <a:solidFill>
-                <a:schemeClr val="bg1"/>
-              </a:solidFill>
-              <a:latin typeface="Noto Sans CJK KR Thin" panose="020B0200000000000000" pitchFamily="34" charset="-127"/>
-              <a:ea typeface="Noto Sans CJK KR Thin" panose="020B0200000000000000" pitchFamily="34" charset="-127"/>
-              <a:cs typeface="Arial" panose="020B0604020202020204" pitchFamily="34" charset="0"/>
-            </a:endParaRPr>
-          </a:p>
-        </p:txBody>
-      </p:sp>
-    </p:spTree>
-    <p:extLst>
-      <p:ext uri="{BB962C8B-B14F-4D97-AF65-F5344CB8AC3E}">
-        <p14:creationId xmlns:p14="http://schemas.microsoft.com/office/powerpoint/2010/main" xmlns="" val="2240109207"/>
-      </p:ext>
-    </p:extLst>
-  </p:cSld>
-  <p:clrMapOvr>
-    <a:masterClrMapping/>
-  </p:clrMapOvr>
-</p:sld>
-</file>
-
-<file path=ppt/slides/slide20.xml><?xml version="1.0" encoding="utf-8"?>
-<p:sld xmlns:a="http://schemas.openxmlformats.org/drawingml/2006/main" xmlns:r="http://schemas.openxmlformats.org/officeDocument/2006/relationships" xmlns:p="http://schemas.openxmlformats.org/presentationml/2006/main">
-  <p:cSld>
-    <p:spTree>
-      <p:nvGrpSpPr>
-        <p:cNvPr id="1" name=""/>
-        <p:cNvGrpSpPr/>
-        <p:nvPr/>
-      </p:nvGrpSpPr>
-      <p:grpSpPr>
-        <a:xfrm>
-          <a:off x="0" y="0"/>
-          <a:ext cx="0" cy="0"/>
-          <a:chOff x="0" y="0"/>
-          <a:chExt cx="0" cy="0"/>
-        </a:xfrm>
-      </p:grpSpPr>
-      <p:pic>
-        <p:nvPicPr>
-          <p:cNvPr id="8" name="Picture 2" descr="C:\Users\user\Desktop\2021년 1월 15일\camerains.JPG"/>
-          <p:cNvPicPr>
-            <a:picLocks noChangeAspect="1" noChangeArrowheads="1"/>
-          </p:cNvPicPr>
-          <p:nvPr/>
-        </p:nvPicPr>
-        <p:blipFill>
-          <a:blip r:embed="rId2" cstate="print"/>
-          <a:srcRect r="57601" b="26448"/>
-          <a:stretch>
-            <a:fillRect/>
-          </a:stretch>
-        </p:blipFill>
-        <p:spPr bwMode="auto">
-          <a:xfrm>
-            <a:off x="368710" y="1616256"/>
-            <a:ext cx="5722374" cy="5241744"/>
-          </a:xfrm>
-          <a:prstGeom prst="rect">
-            <a:avLst/>
-          </a:prstGeom>
-          <a:noFill/>
-        </p:spPr>
-      </p:pic>
-      <p:sp>
-        <p:nvSpPr>
-          <p:cNvPr id="9" name="직사각형 8"/>
-          <p:cNvSpPr/>
-          <p:nvPr/>
-        </p:nvSpPr>
-        <p:spPr>
-          <a:xfrm>
-            <a:off x="0" y="0"/>
-            <a:ext cx="12192000" cy="1638300"/>
-          </a:xfrm>
-          <a:prstGeom prst="rect">
-            <a:avLst/>
-          </a:prstGeom>
-          <a:solidFill>
-            <a:schemeClr val="bg2"/>
-          </a:solidFill>
-          <a:ln>
-            <a:noFill/>
-          </a:ln>
-        </p:spPr>
-        <p:style>
-          <a:lnRef idx="2">
-            <a:schemeClr val="accent1">
-              <a:shade val="50000"/>
-            </a:schemeClr>
-          </a:lnRef>
-          <a:fillRef idx="1">
-            <a:schemeClr val="accent1"/>
-          </a:fillRef>
-          <a:effectRef idx="0">
-            <a:schemeClr val="accent1"/>
-          </a:effectRef>
-          <a:fontRef idx="minor">
-            <a:schemeClr val="lt1"/>
-          </a:fontRef>
-        </p:style>
-        <p:txBody>
-          <a:bodyPr rtlCol="0" anchor="ctr"/>
-          <a:lstStyle/>
-          <a:p>
-            <a:pPr algn="ctr"/>
-            <a:endParaRPr lang="ko-KR" altLang="en-US"/>
-          </a:p>
-        </p:txBody>
-      </p:sp>
-      <p:cxnSp>
-        <p:nvCxnSpPr>
-          <p:cNvPr id="2" name="직선 연결선 1"/>
-          <p:cNvCxnSpPr/>
-          <p:nvPr/>
-        </p:nvCxnSpPr>
-        <p:spPr>
-          <a:xfrm>
-            <a:off x="139700" y="491296"/>
-            <a:ext cx="1993900" cy="0"/>
-          </a:xfrm>
-          <a:prstGeom prst="line">
-            <a:avLst/>
-          </a:prstGeom>
-          <a:ln>
-            <a:solidFill>
-              <a:schemeClr val="accent4"/>
-            </a:solidFill>
-          </a:ln>
-        </p:spPr>
-        <p:style>
-          <a:lnRef idx="1">
-            <a:schemeClr val="accent1"/>
-          </a:lnRef>
-          <a:fillRef idx="0">
-            <a:schemeClr val="accent1"/>
-          </a:fillRef>
-          <a:effectRef idx="0">
-            <a:schemeClr val="accent1"/>
-          </a:effectRef>
-          <a:fontRef idx="minor">
-            <a:schemeClr val="tx1"/>
-          </a:fontRef>
-        </p:style>
-      </p:cxnSp>
-      <p:sp>
-        <p:nvSpPr>
-          <p:cNvPr id="4" name="TextBox 3"/>
-          <p:cNvSpPr txBox="1"/>
-          <p:nvPr/>
-        </p:nvSpPr>
-        <p:spPr>
-          <a:xfrm>
-            <a:off x="1345631" y="652394"/>
-            <a:ext cx="889987" cy="584775"/>
-          </a:xfrm>
-          <a:prstGeom prst="rect">
-            <a:avLst/>
-          </a:prstGeom>
-          <a:noFill/>
-        </p:spPr>
-        <p:txBody>
-          <a:bodyPr wrap="none" rtlCol="0">
-            <a:spAutoFit/>
-          </a:bodyPr>
-          <a:lstStyle/>
-          <a:p>
-            <a:pPr algn="r"/>
-            <a:r>
-              <a:rPr lang="en-US" altLang="ko-KR" sz="3200" b="1" dirty="0">
-                <a:solidFill>
-                  <a:schemeClr val="accent4"/>
-                </a:solidFill>
-              </a:rPr>
-              <a:t>2-2.</a:t>
-            </a:r>
-            <a:endParaRPr lang="ko-KR" altLang="en-US" sz="3200" b="1" dirty="0">
-              <a:solidFill>
-                <a:schemeClr val="accent4"/>
-              </a:solidFill>
-            </a:endParaRPr>
-          </a:p>
-        </p:txBody>
-      </p:sp>
-      <p:sp>
-        <p:nvSpPr>
-          <p:cNvPr id="6" name="TextBox 5"/>
-          <p:cNvSpPr txBox="1"/>
-          <p:nvPr/>
-        </p:nvSpPr>
-        <p:spPr>
-          <a:xfrm>
-            <a:off x="2263852" y="645071"/>
-            <a:ext cx="2800767" cy="553998"/>
-          </a:xfrm>
-          <a:prstGeom prst="rect">
-            <a:avLst/>
-          </a:prstGeom>
-          <a:noFill/>
-        </p:spPr>
-        <p:txBody>
-          <a:bodyPr wrap="none" rtlCol="0">
-            <a:spAutoFit/>
-          </a:bodyPr>
-          <a:lstStyle/>
-          <a:p>
-            <a:r>
-              <a:rPr lang="en-US" altLang="ko-KR" sz="3000" b="1" spc="-150" dirty="0">
-                <a:solidFill>
-                  <a:schemeClr val="accent4"/>
-                </a:solidFill>
-                <a:latin typeface="+mj-ea"/>
-              </a:rPr>
-              <a:t>Calibration Tool</a:t>
-            </a:r>
-            <a:endParaRPr lang="ko-KR" altLang="en-US" sz="3000" b="1" spc="-150" dirty="0">
-              <a:solidFill>
-                <a:schemeClr val="accent4"/>
-              </a:solidFill>
-              <a:latin typeface="+mj-ea"/>
-            </a:endParaRPr>
-          </a:p>
-        </p:txBody>
-      </p:sp>
-      <p:pic>
-        <p:nvPicPr>
-          <p:cNvPr id="10" name="Picture 2" descr="C:\Users\user\Desktop\fresut.JPG"/>
-          <p:cNvPicPr>
-            <a:picLocks noChangeAspect="1" noChangeArrowheads="1"/>
-          </p:cNvPicPr>
-          <p:nvPr/>
-        </p:nvPicPr>
-        <p:blipFill>
-          <a:blip r:embed="rId3" cstate="print"/>
-          <a:srcRect l="8936" r="37926"/>
-          <a:stretch>
-            <a:fillRect/>
-          </a:stretch>
-        </p:blipFill>
-        <p:spPr bwMode="auto">
-          <a:xfrm>
-            <a:off x="6150077" y="5227075"/>
-            <a:ext cx="4911213" cy="1409700"/>
-          </a:xfrm>
-          <a:prstGeom prst="rect">
-            <a:avLst/>
-          </a:prstGeom>
-          <a:noFill/>
-          <a:ln w="9525">
-            <a:noFill/>
-            <a:miter lim="800000"/>
-            <a:headEnd/>
-            <a:tailEnd/>
-          </a:ln>
-        </p:spPr>
-      </p:pic>
-      <p:pic>
-        <p:nvPicPr>
-          <p:cNvPr id="11" name="Picture 4" descr="C:\Users\user\Desktop\hachsf.JPG"/>
-          <p:cNvPicPr>
-            <a:picLocks noChangeAspect="1" noChangeArrowheads="1"/>
-          </p:cNvPicPr>
-          <p:nvPr/>
-        </p:nvPicPr>
-        <p:blipFill>
-          <a:blip r:embed="rId4" cstate="print"/>
-          <a:srcRect/>
-          <a:stretch>
-            <a:fillRect/>
-          </a:stretch>
-        </p:blipFill>
-        <p:spPr bwMode="auto">
-          <a:xfrm>
-            <a:off x="5931614" y="1675480"/>
-            <a:ext cx="6260386" cy="2881772"/>
-          </a:xfrm>
-          <a:prstGeom prst="rect">
-            <a:avLst/>
-          </a:prstGeom>
-          <a:noFill/>
-          <a:ln w="9525">
-            <a:noFill/>
-            <a:miter lim="800000"/>
-            <a:headEnd/>
-            <a:tailEnd/>
-          </a:ln>
-        </p:spPr>
-      </p:pic>
-    </p:spTree>
-    <p:extLst>
-      <p:ext uri="{BB962C8B-B14F-4D97-AF65-F5344CB8AC3E}">
-        <p14:creationId xmlns:p14="http://schemas.microsoft.com/office/powerpoint/2010/main" xmlns="" val="3168494829"/>
-      </p:ext>
-    </p:extLst>
-  </p:cSld>
-  <p:clrMapOvr>
-    <a:masterClrMapping/>
-  </p:clrMapOvr>
-</p:sld>
-</file>
-
-<file path=ppt/slides/slide21.xml><?xml version="1.0" encoding="utf-8"?>
-<p:sld xmlns:a="http://schemas.openxmlformats.org/drawingml/2006/main" xmlns:r="http://schemas.openxmlformats.org/officeDocument/2006/relationships" xmlns:p="http://schemas.openxmlformats.org/presentationml/2006/main">
-  <p:cSld>
-    <p:spTree>
-      <p:nvGrpSpPr>
-        <p:cNvPr id="1" name=""/>
-        <p:cNvGrpSpPr/>
-        <p:nvPr/>
-      </p:nvGrpSpPr>
-      <p:grpSpPr>
-        <a:xfrm>
-          <a:off x="0" y="0"/>
-          <a:ext cx="0" cy="0"/>
-          <a:chOff x="0" y="0"/>
-          <a:chExt cx="0" cy="0"/>
-        </a:xfrm>
-      </p:grpSpPr>
-      <p:sp>
-        <p:nvSpPr>
-          <p:cNvPr id="9" name="직사각형 8"/>
-          <p:cNvSpPr/>
-          <p:nvPr/>
-        </p:nvSpPr>
-        <p:spPr>
-          <a:xfrm>
-            <a:off x="0" y="0"/>
-            <a:ext cx="12192000" cy="1638300"/>
-          </a:xfrm>
-          <a:prstGeom prst="rect">
-            <a:avLst/>
-          </a:prstGeom>
-          <a:solidFill>
-            <a:schemeClr val="bg2"/>
-          </a:solidFill>
-          <a:ln>
-            <a:noFill/>
-          </a:ln>
-        </p:spPr>
-        <p:style>
-          <a:lnRef idx="2">
-            <a:schemeClr val="accent1">
-              <a:shade val="50000"/>
-            </a:schemeClr>
-          </a:lnRef>
-          <a:fillRef idx="1">
-            <a:schemeClr val="accent1"/>
-          </a:fillRef>
-          <a:effectRef idx="0">
-            <a:schemeClr val="accent1"/>
-          </a:effectRef>
-          <a:fontRef idx="minor">
-            <a:schemeClr val="lt1"/>
-          </a:fontRef>
-        </p:style>
-        <p:txBody>
-          <a:bodyPr rtlCol="0" anchor="ctr"/>
-          <a:lstStyle/>
-          <a:p>
-            <a:pPr algn="ctr"/>
-            <a:endParaRPr lang="ko-KR" altLang="en-US"/>
-          </a:p>
-        </p:txBody>
-      </p:sp>
-      <p:cxnSp>
-        <p:nvCxnSpPr>
-          <p:cNvPr id="2" name="직선 연결선 1"/>
-          <p:cNvCxnSpPr/>
-          <p:nvPr/>
-        </p:nvCxnSpPr>
-        <p:spPr>
-          <a:xfrm>
-            <a:off x="139700" y="491296"/>
-            <a:ext cx="1993900" cy="0"/>
-          </a:xfrm>
-          <a:prstGeom prst="line">
-            <a:avLst/>
-          </a:prstGeom>
-          <a:ln>
-            <a:solidFill>
-              <a:schemeClr val="accent4"/>
-            </a:solidFill>
-          </a:ln>
-        </p:spPr>
-        <p:style>
-          <a:lnRef idx="1">
-            <a:schemeClr val="accent1"/>
-          </a:lnRef>
-          <a:fillRef idx="0">
-            <a:schemeClr val="accent1"/>
-          </a:fillRef>
-          <a:effectRef idx="0">
-            <a:schemeClr val="accent1"/>
-          </a:effectRef>
-          <a:fontRef idx="minor">
-            <a:schemeClr val="tx1"/>
-          </a:fontRef>
-        </p:style>
-      </p:cxnSp>
-      <p:sp>
-        <p:nvSpPr>
-          <p:cNvPr id="4" name="TextBox 3"/>
-          <p:cNvSpPr txBox="1"/>
-          <p:nvPr/>
-        </p:nvSpPr>
-        <p:spPr>
-          <a:xfrm>
-            <a:off x="1345631" y="652394"/>
-            <a:ext cx="889987" cy="584775"/>
-          </a:xfrm>
-          <a:prstGeom prst="rect">
-            <a:avLst/>
-          </a:prstGeom>
-          <a:noFill/>
-        </p:spPr>
-        <p:txBody>
-          <a:bodyPr wrap="none" rtlCol="0">
-            <a:spAutoFit/>
-          </a:bodyPr>
-          <a:lstStyle/>
-          <a:p>
-            <a:pPr algn="r"/>
-            <a:r>
-              <a:rPr lang="en-US" altLang="ko-KR" sz="3200" b="1" dirty="0">
-                <a:solidFill>
-                  <a:schemeClr val="accent4"/>
-                </a:solidFill>
-              </a:rPr>
-              <a:t>2-3.</a:t>
-            </a:r>
-            <a:endParaRPr lang="ko-KR" altLang="en-US" sz="3200" b="1" dirty="0">
-              <a:solidFill>
-                <a:schemeClr val="accent4"/>
-              </a:solidFill>
-            </a:endParaRPr>
-          </a:p>
-        </p:txBody>
-      </p:sp>
-      <p:sp>
-        <p:nvSpPr>
-          <p:cNvPr id="6" name="TextBox 5"/>
-          <p:cNvSpPr txBox="1"/>
-          <p:nvPr/>
-        </p:nvSpPr>
-        <p:spPr>
-          <a:xfrm>
-            <a:off x="2263852" y="645071"/>
-            <a:ext cx="4434227" cy="553998"/>
-          </a:xfrm>
-          <a:prstGeom prst="rect">
-            <a:avLst/>
-          </a:prstGeom>
-          <a:noFill/>
-        </p:spPr>
-        <p:txBody>
-          <a:bodyPr wrap="none" rtlCol="0">
-            <a:spAutoFit/>
-          </a:bodyPr>
-          <a:lstStyle/>
-          <a:p>
-            <a:r>
-              <a:rPr lang="en-US" altLang="ko-KR" sz="3000" b="1" spc="-150" dirty="0">
-                <a:solidFill>
-                  <a:schemeClr val="accent4"/>
-                </a:solidFill>
-                <a:latin typeface="+mj-ea"/>
-              </a:rPr>
-              <a:t>Sylvester Matrix Equation</a:t>
-            </a:r>
-            <a:endParaRPr lang="ko-KR" altLang="en-US" sz="3000" b="1" spc="-150" dirty="0">
-              <a:solidFill>
-                <a:schemeClr val="accent4"/>
-              </a:solidFill>
-              <a:latin typeface="+mj-ea"/>
-            </a:endParaRPr>
-          </a:p>
-        </p:txBody>
-      </p:sp>
-      <p:pic>
-        <p:nvPicPr>
-          <p:cNvPr id="4098" name="Picture 2" descr="C:\Users\user\Desktop\sye.JPG"/>
-          <p:cNvPicPr>
-            <a:picLocks noChangeAspect="1" noChangeArrowheads="1"/>
-          </p:cNvPicPr>
-          <p:nvPr/>
-        </p:nvPicPr>
-        <p:blipFill>
-          <a:blip r:embed="rId2" cstate="print"/>
-          <a:srcRect/>
-          <a:stretch>
-            <a:fillRect/>
-          </a:stretch>
-        </p:blipFill>
-        <p:spPr bwMode="auto">
-          <a:xfrm>
-            <a:off x="380644" y="1799150"/>
-            <a:ext cx="1949602" cy="423827"/>
-          </a:xfrm>
-          <a:prstGeom prst="rect">
-            <a:avLst/>
-          </a:prstGeom>
-          <a:noFill/>
-        </p:spPr>
-      </p:pic>
-      <p:pic>
-        <p:nvPicPr>
-          <p:cNvPr id="14" name="Picture 4" descr="C:\Users\user\Desktop\poasfsx.JPG"/>
-          <p:cNvPicPr>
-            <a:picLocks noChangeAspect="1" noChangeArrowheads="1"/>
-          </p:cNvPicPr>
-          <p:nvPr/>
-        </p:nvPicPr>
-        <p:blipFill>
-          <a:blip r:embed="rId3" cstate="print"/>
-          <a:srcRect/>
-          <a:stretch>
-            <a:fillRect/>
-          </a:stretch>
-        </p:blipFill>
-        <p:spPr bwMode="auto">
-          <a:xfrm>
-            <a:off x="0" y="2788290"/>
-            <a:ext cx="6289432" cy="2273982"/>
-          </a:xfrm>
-          <a:prstGeom prst="rect">
-            <a:avLst/>
-          </a:prstGeom>
-          <a:noFill/>
-        </p:spPr>
-      </p:pic>
-      <p:sp>
-        <p:nvSpPr>
-          <p:cNvPr id="15" name="TextBox 14"/>
-          <p:cNvSpPr txBox="1"/>
-          <p:nvPr/>
-        </p:nvSpPr>
-        <p:spPr>
-          <a:xfrm>
-            <a:off x="6504038" y="1755776"/>
-            <a:ext cx="5687961" cy="1477328"/>
-          </a:xfrm>
-          <a:prstGeom prst="rect">
-            <a:avLst/>
-          </a:prstGeom>
-          <a:noFill/>
-        </p:spPr>
-        <p:txBody>
-          <a:bodyPr wrap="square" rtlCol="0">
-            <a:spAutoFit/>
-          </a:bodyPr>
-          <a:lstStyle/>
-          <a:p>
-            <a:pPr marL="342900" indent="-342900"/>
-            <a:r>
-              <a:rPr lang="ko-KR" altLang="en-US" b="1" dirty="0">
-                <a:solidFill>
-                  <a:schemeClr val="accent4"/>
-                </a:solidFill>
-              </a:rPr>
-              <a:t>관련 </a:t>
-            </a:r>
-            <a:r>
-              <a:rPr lang="en-US" altLang="ko-KR" b="1" dirty="0">
-                <a:solidFill>
-                  <a:schemeClr val="accent4"/>
-                </a:solidFill>
-              </a:rPr>
-              <a:t>Method</a:t>
-            </a:r>
-            <a:r>
-              <a:rPr lang="ko-KR" altLang="en-US" b="1" dirty="0">
-                <a:solidFill>
-                  <a:schemeClr val="accent4"/>
-                </a:solidFill>
-              </a:rPr>
-              <a:t>가 존재하지 않아</a:t>
-            </a:r>
-            <a:r>
-              <a:rPr lang="en-US" altLang="ko-KR" b="1" dirty="0">
-                <a:solidFill>
-                  <a:schemeClr val="accent4"/>
-                </a:solidFill>
-              </a:rPr>
-              <a:t>, 4x4 Matrix</a:t>
-            </a:r>
-            <a:r>
-              <a:rPr lang="ko-KR" altLang="en-US" b="1" dirty="0">
-                <a:solidFill>
-                  <a:schemeClr val="accent4"/>
-                </a:solidFill>
-              </a:rPr>
-              <a:t>를 계산한 </a:t>
-            </a:r>
-            <a:endParaRPr lang="en-US" altLang="ko-KR" b="1" dirty="0">
-              <a:solidFill>
-                <a:schemeClr val="accent4"/>
-              </a:solidFill>
-            </a:endParaRPr>
-          </a:p>
-          <a:p>
-            <a:pPr marL="342900" indent="-342900"/>
-            <a:r>
-              <a:rPr lang="ko-KR" altLang="en-US" b="1" dirty="0">
-                <a:solidFill>
-                  <a:schemeClr val="accent4"/>
-                </a:solidFill>
-              </a:rPr>
-              <a:t>후 </a:t>
-            </a:r>
-            <a:r>
-              <a:rPr lang="en-US" altLang="ko-KR" b="1" dirty="0">
-                <a:solidFill>
-                  <a:schemeClr val="accent4"/>
-                </a:solidFill>
-              </a:rPr>
-              <a:t>x</a:t>
-            </a:r>
-            <a:r>
-              <a:rPr lang="ko-KR" altLang="en-US" b="1" dirty="0">
-                <a:solidFill>
-                  <a:schemeClr val="accent4"/>
-                </a:solidFill>
-              </a:rPr>
-              <a:t>항을 좌변에</a:t>
-            </a:r>
-            <a:r>
-              <a:rPr lang="en-US" altLang="ko-KR" b="1" dirty="0">
-                <a:solidFill>
-                  <a:schemeClr val="accent4"/>
-                </a:solidFill>
-              </a:rPr>
-              <a:t>, </a:t>
-            </a:r>
-            <a:r>
-              <a:rPr lang="ko-KR" altLang="en-US" b="1" dirty="0" err="1">
-                <a:solidFill>
-                  <a:schemeClr val="accent4"/>
-                </a:solidFill>
-              </a:rPr>
-              <a:t>상수항을</a:t>
-            </a:r>
-            <a:r>
-              <a:rPr lang="ko-KR" altLang="en-US" b="1" dirty="0">
-                <a:solidFill>
-                  <a:schemeClr val="accent4"/>
-                </a:solidFill>
-              </a:rPr>
-              <a:t> 우변에</a:t>
-            </a:r>
-            <a:r>
-              <a:rPr lang="en-US" altLang="ko-KR" b="1" dirty="0">
-                <a:solidFill>
-                  <a:schemeClr val="accent4"/>
-                </a:solidFill>
-              </a:rPr>
-              <a:t>….</a:t>
-            </a:r>
-          </a:p>
-          <a:p>
-            <a:pPr marL="342900" indent="-342900"/>
-            <a:r>
-              <a:rPr lang="ko-KR" altLang="en-US" b="1" dirty="0">
-                <a:solidFill>
-                  <a:schemeClr val="accent4"/>
-                </a:solidFill>
-              </a:rPr>
-              <a:t>그 후</a:t>
-            </a:r>
-            <a:r>
-              <a:rPr lang="en-US" altLang="ko-KR" b="1" dirty="0">
-                <a:solidFill>
-                  <a:schemeClr val="accent4"/>
-                </a:solidFill>
-              </a:rPr>
-              <a:t>, </a:t>
-            </a:r>
-            <a:r>
-              <a:rPr lang="ko-KR" altLang="en-US" b="1" dirty="0" err="1">
-                <a:solidFill>
-                  <a:schemeClr val="accent4"/>
-                </a:solidFill>
-              </a:rPr>
-              <a:t>역행렬을</a:t>
-            </a:r>
-            <a:r>
-              <a:rPr lang="ko-KR" altLang="en-US" b="1" dirty="0">
-                <a:solidFill>
-                  <a:schemeClr val="accent4"/>
-                </a:solidFill>
-              </a:rPr>
-              <a:t> 구하는 </a:t>
-            </a:r>
-            <a:r>
-              <a:rPr lang="en-US" altLang="ko-KR" b="1" dirty="0">
-                <a:solidFill>
-                  <a:schemeClr val="accent4"/>
-                </a:solidFill>
-              </a:rPr>
-              <a:t>Method</a:t>
-            </a:r>
-            <a:r>
-              <a:rPr lang="ko-KR" altLang="en-US" b="1" dirty="0">
-                <a:solidFill>
-                  <a:schemeClr val="accent4"/>
-                </a:solidFill>
-              </a:rPr>
-              <a:t>를 사용</a:t>
-            </a:r>
-            <a:endParaRPr lang="en-US" altLang="ko-KR" b="1" dirty="0">
-              <a:solidFill>
-                <a:schemeClr val="accent4"/>
-              </a:solidFill>
-            </a:endParaRPr>
-          </a:p>
-          <a:p>
-            <a:pPr marL="342900" indent="-342900"/>
-            <a:endParaRPr lang="en-US" altLang="ko-KR" b="1" dirty="0">
-              <a:solidFill>
-                <a:schemeClr val="accent4"/>
-              </a:solidFill>
-            </a:endParaRPr>
-          </a:p>
-          <a:p>
-            <a:pPr marL="342900" indent="-342900"/>
-            <a:endParaRPr lang="ko-KR" altLang="en-US" b="1" dirty="0">
-              <a:solidFill>
-                <a:schemeClr val="accent4"/>
-              </a:solidFill>
-            </a:endParaRPr>
-          </a:p>
-        </p:txBody>
-      </p:sp>
-      <p:pic>
-        <p:nvPicPr>
-          <p:cNvPr id="4100" name="Picture 4" descr="C:\Users\user\Desktop\wfe.JPG"/>
-          <p:cNvPicPr>
-            <a:picLocks noChangeAspect="1" noChangeArrowheads="1"/>
-          </p:cNvPicPr>
-          <p:nvPr/>
-        </p:nvPicPr>
-        <p:blipFill>
-          <a:blip r:embed="rId4" cstate="print"/>
-          <a:srcRect/>
-          <a:stretch>
-            <a:fillRect/>
-          </a:stretch>
-        </p:blipFill>
-        <p:spPr bwMode="auto">
-          <a:xfrm>
-            <a:off x="324464" y="5448300"/>
-            <a:ext cx="5200650" cy="1409700"/>
-          </a:xfrm>
-          <a:prstGeom prst="rect">
-            <a:avLst/>
-          </a:prstGeom>
-          <a:noFill/>
-        </p:spPr>
-      </p:pic>
-      <p:pic>
-        <p:nvPicPr>
-          <p:cNvPr id="4101" name="Picture 5" descr="C:\Users\user\Desktop\aef.JPG"/>
-          <p:cNvPicPr>
-            <a:picLocks noChangeAspect="1" noChangeArrowheads="1"/>
-          </p:cNvPicPr>
-          <p:nvPr/>
-        </p:nvPicPr>
-        <p:blipFill>
-          <a:blip r:embed="rId5" cstate="print"/>
-          <a:srcRect/>
-          <a:stretch>
-            <a:fillRect/>
-          </a:stretch>
-        </p:blipFill>
-        <p:spPr bwMode="auto">
-          <a:xfrm>
-            <a:off x="6415548" y="2595716"/>
-            <a:ext cx="5776452" cy="4262285"/>
-          </a:xfrm>
-          <a:prstGeom prst="rect">
-            <a:avLst/>
-          </a:prstGeom>
-          <a:noFill/>
-        </p:spPr>
-      </p:pic>
-    </p:spTree>
-    <p:extLst>
-      <p:ext uri="{BB962C8B-B14F-4D97-AF65-F5344CB8AC3E}">
-        <p14:creationId xmlns:p14="http://schemas.microsoft.com/office/powerpoint/2010/main" xmlns="" val="3168494829"/>
-      </p:ext>
-    </p:extLst>
-  </p:cSld>
-  <p:clrMapOvr>
-    <a:masterClrMapping/>
-  </p:clrMapOvr>
-</p:sld>
-</file>
-
-<file path=ppt/slides/slide22.xml><?xml version="1.0" encoding="utf-8"?>
 <p:sld xmlns:a="http://schemas.openxmlformats.org/drawingml/2006/main" xmlns:r="http://schemas.openxmlformats.org/officeDocument/2006/relationships" xmlns:p="http://schemas.openxmlformats.org/presentationml/2006/main">
   <p:cSld>
     <p:bg>
@@ -8377,9 +6651,9 @@
           <p:grpSpPr>
             <a:xfrm>
               <a:off x="558064" y="3058923"/>
-              <a:ext cx="2991525" cy="769441"/>
+              <a:ext cx="4196983" cy="769441"/>
               <a:chOff x="471977" y="2691080"/>
-              <a:chExt cx="2991525" cy="769441"/>
+              <a:chExt cx="4196983" cy="769441"/>
             </a:xfrm>
           </p:grpSpPr>
           <p:sp>
@@ -8391,7 +6665,7 @@
             <p:spPr>
               <a:xfrm>
                 <a:off x="471977" y="2691080"/>
-                <a:ext cx="2991525" cy="769441"/>
+                <a:ext cx="4196983" cy="769441"/>
               </a:xfrm>
               <a:prstGeom prst="rect">
                 <a:avLst/>
@@ -8405,7 +6679,7 @@
               <a:lstStyle/>
               <a:p>
                 <a:r>
-                  <a:rPr lang="ko-KR" altLang="en-US" sz="4400" b="1" spc="-150" dirty="0">
+                  <a:rPr lang="ko-KR" altLang="en-US" sz="4400" b="1" spc="-150">
                     <a:solidFill>
                       <a:schemeClr val="bg1">
                         <a:alpha val="70000"/>
@@ -8414,8 +6688,29 @@
                     <a:latin typeface="+mj-lt"/>
                     <a:ea typeface="THE명품고딕L" panose="02020603020101020101" pitchFamily="18" charset="-127"/>
                   </a:rPr>
-                  <a:t>용접 자동화</a:t>
+                  <a:t>용접 </a:t>
                 </a:r>
+                <a:r>
+                  <a:rPr lang="ko-KR" altLang="en-US" sz="4400" b="1" spc="-150" smtClean="0">
+                    <a:solidFill>
+                      <a:schemeClr val="bg1">
+                        <a:alpha val="70000"/>
+                      </a:schemeClr>
+                    </a:solidFill>
+                    <a:latin typeface="+mj-lt"/>
+                    <a:ea typeface="THE명품고딕L" panose="02020603020101020101" pitchFamily="18" charset="-127"/>
+                  </a:rPr>
+                  <a:t>자동화 로봇</a:t>
+                </a:r>
+                <a:endParaRPr lang="ko-KR" altLang="en-US" sz="4400" b="1" spc="-150" dirty="0">
+                  <a:solidFill>
+                    <a:schemeClr val="bg1">
+                      <a:alpha val="70000"/>
+                    </a:schemeClr>
+                  </a:solidFill>
+                  <a:latin typeface="+mj-lt"/>
+                  <a:ea typeface="THE명품고딕L" panose="02020603020101020101" pitchFamily="18" charset="-127"/>
+                </a:endParaRPr>
               </a:p>
             </p:txBody>
           </p:sp>
@@ -8605,7 +6900,753 @@
 </p:sld>
 </file>
 
-<file path=ppt/slides/slide23.xml><?xml version="1.0" encoding="utf-8"?>
+<file path=ppt/slides/slide2.xml><?xml version="1.0" encoding="utf-8"?>
+<p:sld xmlns:a="http://schemas.openxmlformats.org/drawingml/2006/main" xmlns:r="http://schemas.openxmlformats.org/officeDocument/2006/relationships" xmlns:p="http://schemas.openxmlformats.org/presentationml/2006/main">
+  <p:cSld>
+    <p:bg>
+      <p:bgPr>
+        <a:solidFill>
+          <a:schemeClr val="bg2"/>
+        </a:solidFill>
+        <a:effectLst/>
+      </p:bgPr>
+    </p:bg>
+    <p:spTree>
+      <p:nvGrpSpPr>
+        <p:cNvPr id="1" name=""/>
+        <p:cNvGrpSpPr/>
+        <p:nvPr/>
+      </p:nvGrpSpPr>
+      <p:grpSpPr>
+        <a:xfrm>
+          <a:off x="0" y="0"/>
+          <a:ext cx="0" cy="0"/>
+          <a:chOff x="0" y="0"/>
+          <a:chExt cx="0" cy="0"/>
+        </a:xfrm>
+      </p:grpSpPr>
+      <p:pic>
+        <p:nvPicPr>
+          <p:cNvPr id="8" name="그림 7"/>
+          <p:cNvPicPr>
+            <a:picLocks noChangeAspect="1"/>
+          </p:cNvPicPr>
+          <p:nvPr/>
+        </p:nvPicPr>
+        <p:blipFill rotWithShape="1">
+          <a:blip r:embed="rId2" cstate="print">
+            <a:extLst>
+              <a:ext uri="{28A0092B-C50C-407E-A947-70E740481C1C}">
+                <a14:useLocalDpi xmlns:a14="http://schemas.microsoft.com/office/drawing/2010/main" xmlns="" val="0"/>
+              </a:ext>
+            </a:extLst>
+          </a:blip>
+          <a:srcRect t="3907" b="11720"/>
+          <a:stretch/>
+        </p:blipFill>
+        <p:spPr>
+          <a:xfrm>
+            <a:off x="0" y="0"/>
+            <a:ext cx="12192000" cy="6858000"/>
+          </a:xfrm>
+          <a:prstGeom prst="rect">
+            <a:avLst/>
+          </a:prstGeom>
+        </p:spPr>
+      </p:pic>
+      <p:sp>
+        <p:nvSpPr>
+          <p:cNvPr id="22" name="직사각형 21"/>
+          <p:cNvSpPr/>
+          <p:nvPr/>
+        </p:nvSpPr>
+        <p:spPr>
+          <a:xfrm>
+            <a:off x="0" y="0"/>
+            <a:ext cx="12237082" cy="6858000"/>
+          </a:xfrm>
+          <a:prstGeom prst="rect">
+            <a:avLst/>
+          </a:prstGeom>
+          <a:solidFill>
+            <a:schemeClr val="accent4">
+              <a:alpha val="80000"/>
+            </a:schemeClr>
+          </a:solidFill>
+          <a:ln>
+            <a:noFill/>
+          </a:ln>
+        </p:spPr>
+        <p:style>
+          <a:lnRef idx="2">
+            <a:schemeClr val="accent1">
+              <a:shade val="50000"/>
+            </a:schemeClr>
+          </a:lnRef>
+          <a:fillRef idx="1">
+            <a:schemeClr val="accent1"/>
+          </a:fillRef>
+          <a:effectRef idx="0">
+            <a:schemeClr val="accent1"/>
+          </a:effectRef>
+          <a:fontRef idx="minor">
+            <a:schemeClr val="lt1"/>
+          </a:fontRef>
+        </p:style>
+        <p:txBody>
+          <a:bodyPr rtlCol="0" anchor="ctr"/>
+          <a:lstStyle/>
+          <a:p>
+            <a:pPr algn="ctr"/>
+            <a:endParaRPr lang="ko-KR" altLang="en-US" dirty="0"/>
+          </a:p>
+        </p:txBody>
+      </p:sp>
+      <p:sp>
+        <p:nvSpPr>
+          <p:cNvPr id="3" name="타원 2"/>
+          <p:cNvSpPr/>
+          <p:nvPr/>
+        </p:nvSpPr>
+        <p:spPr>
+          <a:xfrm>
+            <a:off x="1219200" y="2247829"/>
+            <a:ext cx="388681" cy="388681"/>
+          </a:xfrm>
+          <a:prstGeom prst="ellipse">
+            <a:avLst/>
+          </a:prstGeom>
+          <a:noFill/>
+          <a:ln w="101600">
+            <a:solidFill>
+              <a:schemeClr val="accent2"/>
+            </a:solidFill>
+          </a:ln>
+        </p:spPr>
+        <p:style>
+          <a:lnRef idx="2">
+            <a:schemeClr val="accent1">
+              <a:shade val="50000"/>
+            </a:schemeClr>
+          </a:lnRef>
+          <a:fillRef idx="1">
+            <a:schemeClr val="accent1"/>
+          </a:fillRef>
+          <a:effectRef idx="0">
+            <a:schemeClr val="accent1"/>
+          </a:effectRef>
+          <a:fontRef idx="minor">
+            <a:schemeClr val="lt1"/>
+          </a:fontRef>
+        </p:style>
+        <p:txBody>
+          <a:bodyPr rtlCol="0" anchor="ctr"/>
+          <a:lstStyle/>
+          <a:p>
+            <a:pPr algn="ctr"/>
+            <a:endParaRPr lang="ko-KR" altLang="en-US"/>
+          </a:p>
+        </p:txBody>
+      </p:sp>
+      <p:sp>
+        <p:nvSpPr>
+          <p:cNvPr id="9" name="TextBox 8"/>
+          <p:cNvSpPr txBox="1"/>
+          <p:nvPr/>
+        </p:nvSpPr>
+        <p:spPr>
+          <a:xfrm>
+            <a:off x="1713824" y="2273229"/>
+            <a:ext cx="545342" cy="369332"/>
+          </a:xfrm>
+          <a:prstGeom prst="rect">
+            <a:avLst/>
+          </a:prstGeom>
+          <a:noFill/>
+        </p:spPr>
+        <p:txBody>
+          <a:bodyPr wrap="none" rtlCol="0">
+            <a:spAutoFit/>
+          </a:bodyPr>
+          <a:lstStyle/>
+          <a:p>
+            <a:r>
+              <a:rPr lang="en-US" altLang="ko-KR" dirty="0">
+                <a:solidFill>
+                  <a:schemeClr val="bg1"/>
+                </a:solidFill>
+              </a:rPr>
+              <a:t>001</a:t>
+            </a:r>
+            <a:endParaRPr lang="ko-KR" altLang="en-US" dirty="0">
+              <a:solidFill>
+                <a:schemeClr val="bg1"/>
+              </a:solidFill>
+            </a:endParaRPr>
+          </a:p>
+        </p:txBody>
+      </p:sp>
+      <p:sp>
+        <p:nvSpPr>
+          <p:cNvPr id="10" name="TextBox 9"/>
+          <p:cNvSpPr txBox="1"/>
+          <p:nvPr/>
+        </p:nvSpPr>
+        <p:spPr>
+          <a:xfrm>
+            <a:off x="1713824" y="3542048"/>
+            <a:ext cx="603050" cy="369332"/>
+          </a:xfrm>
+          <a:prstGeom prst="rect">
+            <a:avLst/>
+          </a:prstGeom>
+          <a:noFill/>
+        </p:spPr>
+        <p:txBody>
+          <a:bodyPr wrap="none" rtlCol="0">
+            <a:spAutoFit/>
+          </a:bodyPr>
+          <a:lstStyle/>
+          <a:p>
+            <a:r>
+              <a:rPr lang="en-US" altLang="ko-KR" dirty="0">
+                <a:solidFill>
+                  <a:schemeClr val="bg1"/>
+                </a:solidFill>
+              </a:rPr>
+              <a:t>002</a:t>
+            </a:r>
+            <a:endParaRPr lang="ko-KR" altLang="en-US" dirty="0">
+              <a:solidFill>
+                <a:schemeClr val="bg1"/>
+              </a:solidFill>
+            </a:endParaRPr>
+          </a:p>
+        </p:txBody>
+      </p:sp>
+      <p:sp>
+        <p:nvSpPr>
+          <p:cNvPr id="13" name="TextBox 12"/>
+          <p:cNvSpPr txBox="1"/>
+          <p:nvPr/>
+        </p:nvSpPr>
+        <p:spPr>
+          <a:xfrm>
+            <a:off x="2259166" y="2273229"/>
+            <a:ext cx="1665841" cy="369332"/>
+          </a:xfrm>
+          <a:prstGeom prst="rect">
+            <a:avLst/>
+          </a:prstGeom>
+          <a:noFill/>
+        </p:spPr>
+        <p:txBody>
+          <a:bodyPr wrap="none" rtlCol="0">
+            <a:spAutoFit/>
+          </a:bodyPr>
+          <a:lstStyle/>
+          <a:p>
+            <a:r>
+              <a:rPr lang="ko-KR" altLang="en-US" spc="-150" dirty="0">
+                <a:solidFill>
+                  <a:schemeClr val="bg1"/>
+                </a:solidFill>
+              </a:rPr>
+              <a:t>도면해석자동화</a:t>
+            </a:r>
+          </a:p>
+        </p:txBody>
+      </p:sp>
+      <p:sp>
+        <p:nvSpPr>
+          <p:cNvPr id="14" name="TextBox 13"/>
+          <p:cNvSpPr txBox="1"/>
+          <p:nvPr/>
+        </p:nvSpPr>
+        <p:spPr>
+          <a:xfrm>
+            <a:off x="2259166" y="3542048"/>
+            <a:ext cx="1665841" cy="369332"/>
+          </a:xfrm>
+          <a:prstGeom prst="rect">
+            <a:avLst/>
+          </a:prstGeom>
+          <a:noFill/>
+        </p:spPr>
+        <p:txBody>
+          <a:bodyPr wrap="none" rtlCol="0">
+            <a:spAutoFit/>
+          </a:bodyPr>
+          <a:lstStyle/>
+          <a:p>
+            <a:r>
+              <a:rPr lang="ko-KR" altLang="en-US" spc="-150" dirty="0" err="1" smtClean="0">
+                <a:solidFill>
+                  <a:schemeClr val="bg1"/>
+                </a:solidFill>
+              </a:rPr>
+              <a:t>용접자동화로봇</a:t>
+            </a:r>
+            <a:endParaRPr lang="ko-KR" altLang="en-US" spc="-150" dirty="0">
+              <a:solidFill>
+                <a:schemeClr val="bg1"/>
+              </a:solidFill>
+            </a:endParaRPr>
+          </a:p>
+        </p:txBody>
+      </p:sp>
+      <p:sp>
+        <p:nvSpPr>
+          <p:cNvPr id="17" name="TextBox 16"/>
+          <p:cNvSpPr txBox="1"/>
+          <p:nvPr/>
+        </p:nvSpPr>
+        <p:spPr>
+          <a:xfrm>
+            <a:off x="2259166" y="2674193"/>
+            <a:ext cx="3541394" cy="612925"/>
+          </a:xfrm>
+          <a:prstGeom prst="rect">
+            <a:avLst/>
+          </a:prstGeom>
+          <a:noFill/>
+        </p:spPr>
+        <p:txBody>
+          <a:bodyPr wrap="square" rtlCol="0">
+            <a:spAutoFit/>
+          </a:bodyPr>
+          <a:lstStyle/>
+          <a:p>
+            <a:pPr marL="180975" indent="-180975">
+              <a:lnSpc>
+                <a:spcPct val="130000"/>
+              </a:lnSpc>
+            </a:pPr>
+            <a:endParaRPr lang="en-US" altLang="ko-KR" sz="1400" spc="-150" dirty="0">
+              <a:solidFill>
+                <a:schemeClr val="bg1"/>
+              </a:solidFill>
+              <a:latin typeface="Noto Sans CJK KR Thin" panose="020B0200000000000000" pitchFamily="34" charset="-127"/>
+              <a:ea typeface="Noto Sans CJK KR Thin" panose="020B0200000000000000" pitchFamily="34" charset="-127"/>
+              <a:cs typeface="Arial" panose="020B0604020202020204" pitchFamily="34" charset="0"/>
+            </a:endParaRPr>
+          </a:p>
+          <a:p>
+            <a:pPr marL="180975" indent="-180975">
+              <a:lnSpc>
+                <a:spcPct val="130000"/>
+              </a:lnSpc>
+              <a:buFont typeface="Wingdings" panose="05000000000000000000" pitchFamily="2" charset="2"/>
+              <a:buChar char="§"/>
+            </a:pPr>
+            <a:endParaRPr lang="ko-KR" altLang="en-US" sz="1400" spc="-150" dirty="0">
+              <a:solidFill>
+                <a:schemeClr val="bg1"/>
+              </a:solidFill>
+              <a:latin typeface="Noto Sans CJK KR Thin" panose="020B0200000000000000" pitchFamily="34" charset="-127"/>
+              <a:ea typeface="Noto Sans CJK KR Thin" panose="020B0200000000000000" pitchFamily="34" charset="-127"/>
+              <a:cs typeface="Arial" panose="020B0604020202020204" pitchFamily="34" charset="0"/>
+            </a:endParaRPr>
+          </a:p>
+        </p:txBody>
+      </p:sp>
+      <p:cxnSp>
+        <p:nvCxnSpPr>
+          <p:cNvPr id="23" name="직선 연결선 22"/>
+          <p:cNvCxnSpPr/>
+          <p:nvPr/>
+        </p:nvCxnSpPr>
+        <p:spPr>
+          <a:xfrm>
+            <a:off x="139700" y="491296"/>
+            <a:ext cx="1993900" cy="0"/>
+          </a:xfrm>
+          <a:prstGeom prst="line">
+            <a:avLst/>
+          </a:prstGeom>
+          <a:ln>
+            <a:solidFill>
+              <a:schemeClr val="bg1"/>
+            </a:solidFill>
+          </a:ln>
+        </p:spPr>
+        <p:style>
+          <a:lnRef idx="1">
+            <a:schemeClr val="accent1"/>
+          </a:lnRef>
+          <a:fillRef idx="0">
+            <a:schemeClr val="accent1"/>
+          </a:fillRef>
+          <a:effectRef idx="0">
+            <a:schemeClr val="accent1"/>
+          </a:effectRef>
+          <a:fontRef idx="minor">
+            <a:schemeClr val="tx1"/>
+          </a:fontRef>
+        </p:style>
+      </p:cxnSp>
+      <p:sp>
+        <p:nvSpPr>
+          <p:cNvPr id="24" name="타원 23"/>
+          <p:cNvSpPr/>
+          <p:nvPr/>
+        </p:nvSpPr>
+        <p:spPr>
+          <a:xfrm>
+            <a:off x="1219200" y="3542048"/>
+            <a:ext cx="388681" cy="388681"/>
+          </a:xfrm>
+          <a:prstGeom prst="ellipse">
+            <a:avLst/>
+          </a:prstGeom>
+          <a:noFill/>
+          <a:ln w="101600">
+            <a:solidFill>
+              <a:schemeClr val="accent2"/>
+            </a:solidFill>
+          </a:ln>
+        </p:spPr>
+        <p:style>
+          <a:lnRef idx="2">
+            <a:schemeClr val="accent1">
+              <a:shade val="50000"/>
+            </a:schemeClr>
+          </a:lnRef>
+          <a:fillRef idx="1">
+            <a:schemeClr val="accent1"/>
+          </a:fillRef>
+          <a:effectRef idx="0">
+            <a:schemeClr val="accent1"/>
+          </a:effectRef>
+          <a:fontRef idx="minor">
+            <a:schemeClr val="lt1"/>
+          </a:fontRef>
+        </p:style>
+        <p:txBody>
+          <a:bodyPr rtlCol="0" anchor="ctr"/>
+          <a:lstStyle/>
+          <a:p>
+            <a:pPr algn="ctr"/>
+            <a:endParaRPr lang="ko-KR" altLang="en-US"/>
+          </a:p>
+        </p:txBody>
+      </p:sp>
+      <p:sp>
+        <p:nvSpPr>
+          <p:cNvPr id="28" name="TextBox 27"/>
+          <p:cNvSpPr txBox="1"/>
+          <p:nvPr/>
+        </p:nvSpPr>
+        <p:spPr>
+          <a:xfrm>
+            <a:off x="886674" y="588588"/>
+            <a:ext cx="1372492" cy="369332"/>
+          </a:xfrm>
+          <a:prstGeom prst="rect">
+            <a:avLst/>
+          </a:prstGeom>
+          <a:noFill/>
+        </p:spPr>
+        <p:txBody>
+          <a:bodyPr wrap="none" rtlCol="0">
+            <a:spAutoFit/>
+          </a:bodyPr>
+          <a:lstStyle/>
+          <a:p>
+            <a:r>
+              <a:rPr lang="en-US" altLang="ko-KR" dirty="0">
+                <a:solidFill>
+                  <a:schemeClr val="bg1"/>
+                </a:solidFill>
+              </a:rPr>
+              <a:t>CONTENTS</a:t>
+            </a:r>
+            <a:endParaRPr lang="ko-KR" altLang="en-US" dirty="0">
+              <a:solidFill>
+                <a:schemeClr val="bg1"/>
+              </a:solidFill>
+            </a:endParaRPr>
+          </a:p>
+        </p:txBody>
+      </p:sp>
+      <p:sp>
+        <p:nvSpPr>
+          <p:cNvPr id="29" name="TextBox 28"/>
+          <p:cNvSpPr txBox="1"/>
+          <p:nvPr/>
+        </p:nvSpPr>
+        <p:spPr>
+          <a:xfrm>
+            <a:off x="9715499" y="6505575"/>
+            <a:ext cx="2406429" cy="215444"/>
+          </a:xfrm>
+          <a:prstGeom prst="rect">
+            <a:avLst/>
+          </a:prstGeom>
+          <a:noFill/>
+        </p:spPr>
+        <p:txBody>
+          <a:bodyPr wrap="none" rtlCol="0">
+            <a:spAutoFit/>
+          </a:bodyPr>
+          <a:lstStyle/>
+          <a:p>
+            <a:pPr algn="r"/>
+            <a:r>
+              <a:rPr lang="en-US" altLang="ko-KR" sz="800" dirty="0">
+                <a:solidFill>
+                  <a:schemeClr val="bg1"/>
+                </a:solidFill>
+                <a:latin typeface="+mn-ea"/>
+              </a:rPr>
+              <a:t>Copyrightⓒ. Saebyeol Yu. All Rights Reserved.</a:t>
+            </a:r>
+            <a:endParaRPr lang="ko-KR" altLang="en-US" sz="800" dirty="0">
+              <a:solidFill>
+                <a:schemeClr val="bg1"/>
+              </a:solidFill>
+              <a:latin typeface="+mn-ea"/>
+            </a:endParaRPr>
+          </a:p>
+        </p:txBody>
+      </p:sp>
+      <p:sp>
+        <p:nvSpPr>
+          <p:cNvPr id="15" name="TextBox 14"/>
+          <p:cNvSpPr txBox="1"/>
+          <p:nvPr/>
+        </p:nvSpPr>
+        <p:spPr>
+          <a:xfrm>
+            <a:off x="2259166" y="2674193"/>
+            <a:ext cx="3541394" cy="652486"/>
+          </a:xfrm>
+          <a:prstGeom prst="rect">
+            <a:avLst/>
+          </a:prstGeom>
+          <a:noFill/>
+        </p:spPr>
+        <p:txBody>
+          <a:bodyPr wrap="square" rtlCol="0">
+            <a:spAutoFit/>
+          </a:bodyPr>
+          <a:lstStyle/>
+          <a:p>
+            <a:pPr marL="180975" indent="-180975">
+              <a:lnSpc>
+                <a:spcPct val="130000"/>
+              </a:lnSpc>
+              <a:buFont typeface="Wingdings" panose="05000000000000000000" pitchFamily="2" charset="2"/>
+              <a:buChar char="§"/>
+            </a:pPr>
+            <a:r>
+              <a:rPr lang="ko-KR" altLang="en-US" sz="1400" spc="-150" dirty="0">
+                <a:solidFill>
+                  <a:schemeClr val="bg1"/>
+                </a:solidFill>
+                <a:latin typeface="Noto Sans CJK KR Thin" panose="020B0200000000000000" pitchFamily="34" charset="-127"/>
+                <a:ea typeface="Noto Sans CJK KR Thin" panose="020B0200000000000000" pitchFamily="34" charset="-127"/>
+                <a:cs typeface="Arial" panose="020B0604020202020204" pitchFamily="34" charset="0"/>
+              </a:rPr>
+              <a:t>금주 진행상황</a:t>
+            </a:r>
+            <a:endParaRPr lang="en-US" altLang="ko-KR" sz="1400" spc="-150" dirty="0">
+              <a:solidFill>
+                <a:schemeClr val="bg1"/>
+              </a:solidFill>
+              <a:latin typeface="Noto Sans CJK KR Thin" panose="020B0200000000000000" pitchFamily="34" charset="-127"/>
+              <a:ea typeface="Noto Sans CJK KR Thin" panose="020B0200000000000000" pitchFamily="34" charset="-127"/>
+              <a:cs typeface="Arial" panose="020B0604020202020204" pitchFamily="34" charset="0"/>
+            </a:endParaRPr>
+          </a:p>
+          <a:p>
+            <a:pPr marL="180975" indent="-180975">
+              <a:lnSpc>
+                <a:spcPct val="130000"/>
+              </a:lnSpc>
+              <a:buFont typeface="Wingdings" panose="05000000000000000000" pitchFamily="2" charset="2"/>
+              <a:buChar char="§"/>
+            </a:pPr>
+            <a:r>
+              <a:rPr lang="ko-KR" altLang="en-US" sz="1400" spc="-150" dirty="0" err="1">
+                <a:solidFill>
+                  <a:schemeClr val="bg1"/>
+                </a:solidFill>
+                <a:latin typeface="Noto Sans CJK KR Thin" panose="020B0200000000000000" pitchFamily="34" charset="-127"/>
+                <a:ea typeface="Noto Sans CJK KR Thin" panose="020B0200000000000000" pitchFamily="34" charset="-127"/>
+                <a:cs typeface="Arial" panose="020B0604020202020204" pitchFamily="34" charset="0"/>
+              </a:rPr>
+              <a:t>향후계획</a:t>
+            </a:r>
+            <a:endParaRPr lang="ko-KR" altLang="en-US" sz="1400" spc="-150" dirty="0">
+              <a:solidFill>
+                <a:schemeClr val="bg1"/>
+              </a:solidFill>
+              <a:latin typeface="Noto Sans CJK KR Thin" panose="020B0200000000000000" pitchFamily="34" charset="-127"/>
+              <a:ea typeface="Noto Sans CJK KR Thin" panose="020B0200000000000000" pitchFamily="34" charset="-127"/>
+              <a:cs typeface="Arial" panose="020B0604020202020204" pitchFamily="34" charset="0"/>
+            </a:endParaRPr>
+          </a:p>
+        </p:txBody>
+      </p:sp>
+      <p:sp>
+        <p:nvSpPr>
+          <p:cNvPr id="16" name="TextBox 15"/>
+          <p:cNvSpPr txBox="1"/>
+          <p:nvPr/>
+        </p:nvSpPr>
+        <p:spPr>
+          <a:xfrm>
+            <a:off x="2286874" y="3948812"/>
+            <a:ext cx="3541394" cy="1492716"/>
+          </a:xfrm>
+          <a:prstGeom prst="rect">
+            <a:avLst/>
+          </a:prstGeom>
+          <a:noFill/>
+        </p:spPr>
+        <p:txBody>
+          <a:bodyPr wrap="square" rtlCol="0">
+            <a:spAutoFit/>
+          </a:bodyPr>
+          <a:lstStyle/>
+          <a:p>
+            <a:pPr marL="180975" indent="-180975">
+              <a:lnSpc>
+                <a:spcPct val="130000"/>
+              </a:lnSpc>
+              <a:buFont typeface="Wingdings" panose="05000000000000000000" pitchFamily="2" charset="2"/>
+              <a:buChar char="§"/>
+            </a:pPr>
+            <a:r>
+              <a:rPr lang="en-US" altLang="ko-KR" sz="1400" spc="-150" dirty="0">
+                <a:solidFill>
+                  <a:schemeClr val="bg1"/>
+                </a:solidFill>
+                <a:latin typeface="Noto Sans CJK KR Thin" panose="020B0200000000000000" pitchFamily="34" charset="-127"/>
+                <a:ea typeface="Noto Sans CJK KR Thin" panose="020B0200000000000000" pitchFamily="34" charset="-127"/>
+                <a:cs typeface="Arial" panose="020B0604020202020204" pitchFamily="34" charset="0"/>
+              </a:rPr>
+              <a:t>Hand – Eye Calibration</a:t>
+            </a:r>
+          </a:p>
+          <a:p>
+            <a:pPr marL="180975" indent="-180975">
+              <a:lnSpc>
+                <a:spcPct val="130000"/>
+              </a:lnSpc>
+              <a:buFont typeface="Wingdings" panose="05000000000000000000" pitchFamily="2" charset="2"/>
+              <a:buChar char="§"/>
+            </a:pPr>
+            <a:r>
+              <a:rPr lang="ko-KR" altLang="en-US" sz="1400" spc="-150" dirty="0">
+                <a:solidFill>
+                  <a:schemeClr val="bg1"/>
+                </a:solidFill>
+                <a:latin typeface="Noto Sans CJK KR Thin" panose="020B0200000000000000" pitchFamily="34" charset="-127"/>
+                <a:ea typeface="Noto Sans CJK KR Thin" panose="020B0200000000000000" pitchFamily="34" charset="-127"/>
+                <a:cs typeface="Arial" panose="020B0604020202020204" pitchFamily="34" charset="0"/>
+              </a:rPr>
+              <a:t>용접자동화</a:t>
+            </a:r>
+            <a:endParaRPr lang="en-US" altLang="ko-KR" sz="1400" spc="-150" dirty="0">
+              <a:solidFill>
+                <a:schemeClr val="bg1"/>
+              </a:solidFill>
+              <a:latin typeface="Noto Sans CJK KR Thin" panose="020B0200000000000000" pitchFamily="34" charset="-127"/>
+              <a:ea typeface="Noto Sans CJK KR Thin" panose="020B0200000000000000" pitchFamily="34" charset="-127"/>
+              <a:cs typeface="Arial" panose="020B0604020202020204" pitchFamily="34" charset="0"/>
+            </a:endParaRPr>
+          </a:p>
+          <a:p>
+            <a:pPr marL="180975" indent="-180975">
+              <a:lnSpc>
+                <a:spcPct val="130000"/>
+              </a:lnSpc>
+              <a:buFont typeface="Wingdings" panose="05000000000000000000" pitchFamily="2" charset="2"/>
+              <a:buChar char="§"/>
+            </a:pPr>
+            <a:r>
+              <a:rPr lang="ko-KR" altLang="en-US" sz="1400" spc="-150" dirty="0">
+                <a:solidFill>
+                  <a:schemeClr val="bg1"/>
+                </a:solidFill>
+                <a:latin typeface="Noto Sans CJK KR Thin" panose="020B0200000000000000" pitchFamily="34" charset="-127"/>
+                <a:ea typeface="Noto Sans CJK KR Thin" panose="020B0200000000000000" pitchFamily="34" charset="-127"/>
+                <a:cs typeface="Arial" panose="020B0604020202020204" pitchFamily="34" charset="0"/>
+              </a:rPr>
+              <a:t>용접불량검사</a:t>
+            </a:r>
+            <a:endParaRPr lang="en-US" altLang="ko-KR" sz="1400" spc="-150" dirty="0">
+              <a:solidFill>
+                <a:schemeClr val="bg1"/>
+              </a:solidFill>
+              <a:latin typeface="Noto Sans CJK KR Thin" panose="020B0200000000000000" pitchFamily="34" charset="-127"/>
+              <a:ea typeface="Noto Sans CJK KR Thin" panose="020B0200000000000000" pitchFamily="34" charset="-127"/>
+              <a:cs typeface="Arial" panose="020B0604020202020204" pitchFamily="34" charset="0"/>
+            </a:endParaRPr>
+          </a:p>
+          <a:p>
+            <a:pPr marL="180975" indent="-180975">
+              <a:lnSpc>
+                <a:spcPct val="130000"/>
+              </a:lnSpc>
+              <a:buFont typeface="Wingdings" panose="05000000000000000000" pitchFamily="2" charset="2"/>
+              <a:buChar char="§"/>
+            </a:pPr>
+            <a:r>
+              <a:rPr lang="ko-KR" altLang="en-US" sz="1400" spc="-150" dirty="0" err="1">
+                <a:solidFill>
+                  <a:schemeClr val="bg1"/>
+                </a:solidFill>
+                <a:latin typeface="Noto Sans CJK KR Thin" panose="020B0200000000000000" pitchFamily="34" charset="-127"/>
+                <a:ea typeface="Noto Sans CJK KR Thin" panose="020B0200000000000000" pitchFamily="34" charset="-127"/>
+                <a:cs typeface="Arial" panose="020B0604020202020204" pitchFamily="34" charset="0"/>
+              </a:rPr>
+              <a:t>향후계획</a:t>
+            </a:r>
+            <a:endParaRPr lang="ko-KR" altLang="en-US" sz="1400" spc="-150" dirty="0">
+              <a:solidFill>
+                <a:schemeClr val="bg1"/>
+              </a:solidFill>
+              <a:latin typeface="Noto Sans CJK KR Thin" panose="020B0200000000000000" pitchFamily="34" charset="-127"/>
+              <a:ea typeface="Noto Sans CJK KR Thin" panose="020B0200000000000000" pitchFamily="34" charset="-127"/>
+              <a:cs typeface="Arial" panose="020B0604020202020204" pitchFamily="34" charset="0"/>
+            </a:endParaRPr>
+          </a:p>
+          <a:p>
+            <a:pPr marL="180975" indent="-180975">
+              <a:lnSpc>
+                <a:spcPct val="130000"/>
+              </a:lnSpc>
+              <a:buFont typeface="Wingdings" panose="05000000000000000000" pitchFamily="2" charset="2"/>
+              <a:buChar char="§"/>
+            </a:pPr>
+            <a:endParaRPr lang="ko-KR" altLang="en-US" sz="1400" spc="-150" dirty="0">
+              <a:solidFill>
+                <a:schemeClr val="bg1"/>
+              </a:solidFill>
+              <a:latin typeface="Noto Sans CJK KR Thin" panose="020B0200000000000000" pitchFamily="34" charset="-127"/>
+              <a:ea typeface="Noto Sans CJK KR Thin" panose="020B0200000000000000" pitchFamily="34" charset="-127"/>
+              <a:cs typeface="Arial" panose="020B0604020202020204" pitchFamily="34" charset="0"/>
+            </a:endParaRPr>
+          </a:p>
+        </p:txBody>
+      </p:sp>
+    </p:spTree>
+    <p:extLst>
+      <p:ext uri="{BB962C8B-B14F-4D97-AF65-F5344CB8AC3E}">
+        <p14:creationId xmlns:p14="http://schemas.microsoft.com/office/powerpoint/2010/main" xmlns="" val="2240109207"/>
+      </p:ext>
+    </p:extLst>
+  </p:cSld>
+  <p:clrMapOvr>
+    <a:masterClrMapping/>
+  </p:clrMapOvr>
+</p:sld>
+</file>
+
+<file path=ppt/slides/slide20.xml><?xml version="1.0" encoding="utf-8"?>
 <p:sld xmlns:a="http://schemas.openxmlformats.org/drawingml/2006/main" xmlns:r="http://schemas.openxmlformats.org/officeDocument/2006/relationships" xmlns:p="http://schemas.openxmlformats.org/presentationml/2006/main">
   <p:cSld>
     <p:spTree>
@@ -9087,7 +8128,7 @@
 </p:sld>
 </file>
 
-<file path=ppt/slides/slide24.xml><?xml version="1.0" encoding="utf-8"?>
+<file path=ppt/slides/slide21.xml><?xml version="1.0" encoding="utf-8"?>
 <p:sld xmlns:a="http://schemas.openxmlformats.org/drawingml/2006/main" xmlns:r="http://schemas.openxmlformats.org/officeDocument/2006/relationships" xmlns:p="http://schemas.openxmlformats.org/presentationml/2006/main">
   <p:cSld>
     <p:spTree>
@@ -9785,7 +8826,7 @@
 </p:sld>
 </file>
 
-<file path=ppt/slides/slide25.xml><?xml version="1.0" encoding="utf-8"?>
+<file path=ppt/slides/slide22.xml><?xml version="1.0" encoding="utf-8"?>
 <p:sld xmlns:a="http://schemas.openxmlformats.org/drawingml/2006/main" xmlns:r="http://schemas.openxmlformats.org/officeDocument/2006/relationships" xmlns:p="http://schemas.openxmlformats.org/presentationml/2006/main">
   <p:cSld>
     <p:spTree>
@@ -10502,7 +9543,7 @@
 </p:sld>
 </file>
 
-<file path=ppt/slides/slide26.xml><?xml version="1.0" encoding="utf-8"?>
+<file path=ppt/slides/slide23.xml><?xml version="1.0" encoding="utf-8"?>
 <p:sld xmlns:a="http://schemas.openxmlformats.org/drawingml/2006/main" xmlns:r="http://schemas.openxmlformats.org/officeDocument/2006/relationships" xmlns:p="http://schemas.openxmlformats.org/presentationml/2006/main">
   <p:cSld>
     <p:spTree>
@@ -11302,427 +10343,7 @@
 </p:sld>
 </file>
 
-<file path=ppt/slides/slide27.xml><?xml version="1.0" encoding="utf-8"?>
-<p:sld xmlns:a="http://schemas.openxmlformats.org/drawingml/2006/main" xmlns:r="http://schemas.openxmlformats.org/officeDocument/2006/relationships" xmlns:p="http://schemas.openxmlformats.org/presentationml/2006/main">
-  <p:cSld>
-    <p:spTree>
-      <p:nvGrpSpPr>
-        <p:cNvPr id="1" name=""/>
-        <p:cNvGrpSpPr/>
-        <p:nvPr/>
-      </p:nvGrpSpPr>
-      <p:grpSpPr>
-        <a:xfrm>
-          <a:off x="0" y="0"/>
-          <a:ext cx="0" cy="0"/>
-          <a:chOff x="0" y="0"/>
-          <a:chExt cx="0" cy="0"/>
-        </a:xfrm>
-      </p:grpSpPr>
-      <p:sp>
-        <p:nvSpPr>
-          <p:cNvPr id="9" name="직사각형 8"/>
-          <p:cNvSpPr/>
-          <p:nvPr/>
-        </p:nvSpPr>
-        <p:spPr>
-          <a:xfrm>
-            <a:off x="0" y="0"/>
-            <a:ext cx="12192000" cy="1638300"/>
-          </a:xfrm>
-          <a:prstGeom prst="rect">
-            <a:avLst/>
-          </a:prstGeom>
-          <a:solidFill>
-            <a:schemeClr val="bg2"/>
-          </a:solidFill>
-          <a:ln>
-            <a:noFill/>
-          </a:ln>
-        </p:spPr>
-        <p:style>
-          <a:lnRef idx="2">
-            <a:schemeClr val="accent1">
-              <a:shade val="50000"/>
-            </a:schemeClr>
-          </a:lnRef>
-          <a:fillRef idx="1">
-            <a:schemeClr val="accent1"/>
-          </a:fillRef>
-          <a:effectRef idx="0">
-            <a:schemeClr val="accent1"/>
-          </a:effectRef>
-          <a:fontRef idx="minor">
-            <a:schemeClr val="lt1"/>
-          </a:fontRef>
-        </p:style>
-        <p:txBody>
-          <a:bodyPr rtlCol="0" anchor="ctr"/>
-          <a:lstStyle/>
-          <a:p>
-            <a:pPr algn="ctr"/>
-            <a:endParaRPr lang="ko-KR" altLang="en-US"/>
-          </a:p>
-        </p:txBody>
-      </p:sp>
-      <p:cxnSp>
-        <p:nvCxnSpPr>
-          <p:cNvPr id="2" name="직선 연결선 1"/>
-          <p:cNvCxnSpPr/>
-          <p:nvPr/>
-        </p:nvCxnSpPr>
-        <p:spPr>
-          <a:xfrm>
-            <a:off x="139700" y="491296"/>
-            <a:ext cx="1993900" cy="0"/>
-          </a:xfrm>
-          <a:prstGeom prst="line">
-            <a:avLst/>
-          </a:prstGeom>
-          <a:ln>
-            <a:solidFill>
-              <a:schemeClr val="accent4"/>
-            </a:solidFill>
-          </a:ln>
-        </p:spPr>
-        <p:style>
-          <a:lnRef idx="1">
-            <a:schemeClr val="accent1"/>
-          </a:lnRef>
-          <a:fillRef idx="0">
-            <a:schemeClr val="accent1"/>
-          </a:fillRef>
-          <a:effectRef idx="0">
-            <a:schemeClr val="accent1"/>
-          </a:effectRef>
-          <a:fontRef idx="minor">
-            <a:schemeClr val="tx1"/>
-          </a:fontRef>
-        </p:style>
-      </p:cxnSp>
-      <p:sp>
-        <p:nvSpPr>
-          <p:cNvPr id="4" name="TextBox 3"/>
-          <p:cNvSpPr txBox="1"/>
-          <p:nvPr/>
-        </p:nvSpPr>
-        <p:spPr>
-          <a:xfrm>
-            <a:off x="1345631" y="652394"/>
-            <a:ext cx="889987" cy="584775"/>
-          </a:xfrm>
-          <a:prstGeom prst="rect">
-            <a:avLst/>
-          </a:prstGeom>
-          <a:noFill/>
-        </p:spPr>
-        <p:txBody>
-          <a:bodyPr wrap="none" rtlCol="0">
-            <a:spAutoFit/>
-          </a:bodyPr>
-          <a:lstStyle/>
-          <a:p>
-            <a:pPr algn="r"/>
-            <a:r>
-              <a:rPr lang="en-US" altLang="ko-KR" sz="3200" b="1" dirty="0">
-                <a:solidFill>
-                  <a:schemeClr val="accent4"/>
-                </a:solidFill>
-              </a:rPr>
-              <a:t>2-5.</a:t>
-            </a:r>
-            <a:endParaRPr lang="ko-KR" altLang="en-US" sz="3200" b="1" dirty="0">
-              <a:solidFill>
-                <a:schemeClr val="accent4"/>
-              </a:solidFill>
-            </a:endParaRPr>
-          </a:p>
-        </p:txBody>
-      </p:sp>
-      <p:sp>
-        <p:nvSpPr>
-          <p:cNvPr id="6" name="TextBox 5"/>
-          <p:cNvSpPr txBox="1"/>
-          <p:nvPr/>
-        </p:nvSpPr>
-        <p:spPr>
-          <a:xfrm>
-            <a:off x="2263852" y="645071"/>
-            <a:ext cx="1620957" cy="553998"/>
-          </a:xfrm>
-          <a:prstGeom prst="rect">
-            <a:avLst/>
-          </a:prstGeom>
-          <a:noFill/>
-        </p:spPr>
-        <p:txBody>
-          <a:bodyPr wrap="none" rtlCol="0">
-            <a:spAutoFit/>
-          </a:bodyPr>
-          <a:lstStyle/>
-          <a:p>
-            <a:r>
-              <a:rPr lang="ko-KR" altLang="en-US" sz="3000" b="1" spc="-150" dirty="0" err="1">
-                <a:solidFill>
-                  <a:schemeClr val="accent4"/>
-                </a:solidFill>
-                <a:latin typeface="+mj-ea"/>
-              </a:rPr>
-              <a:t>향후계획</a:t>
-            </a:r>
-            <a:endParaRPr lang="ko-KR" altLang="en-US" sz="3000" b="1" spc="-150" dirty="0">
-              <a:solidFill>
-                <a:schemeClr val="accent4"/>
-              </a:solidFill>
-              <a:latin typeface="+mj-ea"/>
-            </a:endParaRPr>
-          </a:p>
-        </p:txBody>
-      </p:sp>
-      <p:sp>
-        <p:nvSpPr>
-          <p:cNvPr id="15" name="TextBox 14"/>
-          <p:cNvSpPr txBox="1"/>
-          <p:nvPr/>
-        </p:nvSpPr>
-        <p:spPr>
-          <a:xfrm>
-            <a:off x="1108363" y="2365375"/>
-            <a:ext cx="7467601" cy="2862322"/>
-          </a:xfrm>
-          <a:prstGeom prst="rect">
-            <a:avLst/>
-          </a:prstGeom>
-          <a:noFill/>
-        </p:spPr>
-        <p:txBody>
-          <a:bodyPr wrap="square" rtlCol="0">
-            <a:spAutoFit/>
-          </a:bodyPr>
-          <a:lstStyle/>
-          <a:p>
-            <a:pPr marL="342900" indent="-342900"/>
-            <a:r>
-              <a:rPr lang="en-US" altLang="ko-KR" b="1" dirty="0">
-                <a:solidFill>
-                  <a:schemeClr val="accent4"/>
-                </a:solidFill>
-              </a:rPr>
-              <a:t>- PySide2</a:t>
-            </a:r>
-            <a:r>
-              <a:rPr lang="ko-KR" altLang="en-US" b="1" dirty="0">
-                <a:solidFill>
-                  <a:schemeClr val="accent4"/>
-                </a:solidFill>
-              </a:rPr>
-              <a:t>로 변환작업</a:t>
-            </a:r>
-            <a:endParaRPr lang="en-US" altLang="ko-KR" b="1" dirty="0">
-              <a:solidFill>
-                <a:schemeClr val="accent4"/>
-              </a:solidFill>
-            </a:endParaRPr>
-          </a:p>
-          <a:p>
-            <a:pPr marL="342900" indent="-342900"/>
-            <a:endParaRPr lang="en-US" altLang="ko-KR" b="1" dirty="0">
-              <a:solidFill>
-                <a:schemeClr val="bg1">
-                  <a:lumMod val="75000"/>
-                </a:schemeClr>
-              </a:solidFill>
-            </a:endParaRPr>
-          </a:p>
-          <a:p>
-            <a:pPr marL="342900" indent="-342900"/>
-            <a:endParaRPr lang="en-US" altLang="ko-KR" b="1" dirty="0">
-              <a:solidFill>
-                <a:schemeClr val="bg1">
-                  <a:lumMod val="75000"/>
-                </a:schemeClr>
-              </a:solidFill>
-            </a:endParaRPr>
-          </a:p>
-          <a:p>
-            <a:r>
-              <a:rPr lang="en-US" altLang="ko-KR" b="1" dirty="0">
-                <a:solidFill>
-                  <a:schemeClr val="tx2"/>
-                </a:solidFill>
-              </a:rPr>
-              <a:t>- </a:t>
-            </a:r>
-            <a:r>
-              <a:rPr lang="ko-KR" altLang="en-US" b="1" dirty="0">
-                <a:solidFill>
-                  <a:schemeClr val="tx2"/>
-                </a:solidFill>
-              </a:rPr>
-              <a:t>이전에 찾았던 논문은 </a:t>
-            </a:r>
-            <a:r>
-              <a:rPr lang="en-US" altLang="ko-KR" b="1" dirty="0">
-                <a:solidFill>
-                  <a:schemeClr val="tx2"/>
-                </a:solidFill>
-              </a:rPr>
-              <a:t>Arc Welding </a:t>
-            </a:r>
-            <a:r>
-              <a:rPr lang="ko-KR" altLang="en-US" b="1" dirty="0">
-                <a:solidFill>
-                  <a:schemeClr val="tx2"/>
-                </a:solidFill>
-              </a:rPr>
-              <a:t>중 </a:t>
-            </a:r>
-            <a:r>
-              <a:rPr lang="en-US" altLang="ko-KR" b="1" dirty="0">
-                <a:solidFill>
-                  <a:schemeClr val="tx2"/>
-                </a:solidFill>
-              </a:rPr>
-              <a:t>SMAW </a:t>
-            </a:r>
-            <a:r>
-              <a:rPr lang="ko-KR" altLang="en-US" b="1" dirty="0">
-                <a:solidFill>
-                  <a:schemeClr val="tx2"/>
-                </a:solidFill>
-              </a:rPr>
-              <a:t>방식에 관한 논문</a:t>
-            </a:r>
-            <a:endParaRPr lang="en-US" altLang="ko-KR" b="1" dirty="0">
-              <a:solidFill>
-                <a:schemeClr val="tx2"/>
-              </a:solidFill>
-            </a:endParaRPr>
-          </a:p>
-          <a:p>
-            <a:endParaRPr lang="en-US" altLang="ko-KR" b="1" dirty="0">
-              <a:solidFill>
-                <a:schemeClr val="tx2"/>
-              </a:solidFill>
-            </a:endParaRPr>
-          </a:p>
-          <a:p>
-            <a:endParaRPr lang="en-US" altLang="ko-KR" b="1" dirty="0">
-              <a:solidFill>
-                <a:schemeClr val="tx2"/>
-              </a:solidFill>
-            </a:endParaRPr>
-          </a:p>
-          <a:p>
-            <a:r>
-              <a:rPr lang="en-US" altLang="ko-KR" b="1" dirty="0">
-                <a:solidFill>
-                  <a:schemeClr val="tx2"/>
-                </a:solidFill>
-              </a:rPr>
-              <a:t>- MIG </a:t>
-            </a:r>
-            <a:r>
-              <a:rPr lang="ko-KR" altLang="en-US" b="1" dirty="0">
-                <a:solidFill>
-                  <a:schemeClr val="tx2"/>
-                </a:solidFill>
-              </a:rPr>
-              <a:t>용접을 다루는 논문 탐색 </a:t>
-            </a:r>
-            <a:endParaRPr lang="en-US" altLang="ko-KR" b="1" dirty="0">
-              <a:solidFill>
-                <a:schemeClr val="tx2"/>
-              </a:solidFill>
-            </a:endParaRPr>
-          </a:p>
-          <a:p>
-            <a:endParaRPr lang="en-US" altLang="ko-KR" b="1" dirty="0">
-              <a:solidFill>
-                <a:schemeClr val="tx2"/>
-              </a:solidFill>
-            </a:endParaRPr>
-          </a:p>
-          <a:p>
-            <a:endParaRPr lang="en-US" altLang="ko-KR" b="1" dirty="0">
-              <a:solidFill>
-                <a:schemeClr val="tx2"/>
-              </a:solidFill>
-            </a:endParaRPr>
-          </a:p>
-          <a:p>
-            <a:r>
-              <a:rPr lang="en-US" altLang="ko-KR" b="1" dirty="0">
-                <a:solidFill>
-                  <a:schemeClr val="tx2"/>
-                </a:solidFill>
-              </a:rPr>
-              <a:t>- </a:t>
-            </a:r>
-            <a:r>
-              <a:rPr lang="ko-KR" altLang="en-US" b="1" dirty="0">
-                <a:solidFill>
-                  <a:schemeClr val="tx2"/>
-                </a:solidFill>
-              </a:rPr>
-              <a:t>전류</a:t>
-            </a:r>
-            <a:r>
-              <a:rPr lang="en-US" altLang="ko-KR" b="1" dirty="0">
-                <a:solidFill>
-                  <a:schemeClr val="tx2"/>
-                </a:solidFill>
-              </a:rPr>
-              <a:t>, </a:t>
-            </a:r>
-            <a:r>
-              <a:rPr lang="ko-KR" altLang="en-US" b="1" dirty="0">
-                <a:solidFill>
-                  <a:schemeClr val="tx2"/>
-                </a:solidFill>
-              </a:rPr>
-              <a:t>토치 속도</a:t>
-            </a:r>
-            <a:r>
-              <a:rPr lang="en-US" altLang="ko-KR" b="1" dirty="0">
-                <a:solidFill>
-                  <a:schemeClr val="tx2"/>
-                </a:solidFill>
-              </a:rPr>
-              <a:t>, </a:t>
-            </a:r>
-            <a:r>
-              <a:rPr lang="ko-KR" altLang="en-US" b="1" dirty="0">
-                <a:solidFill>
-                  <a:schemeClr val="tx2"/>
-                </a:solidFill>
-              </a:rPr>
-              <a:t>각도 등의 조건 변화 실습</a:t>
-            </a:r>
-            <a:endParaRPr lang="en-US" altLang="ko-KR" b="1" dirty="0">
-              <a:solidFill>
-                <a:schemeClr val="bg1">
-                  <a:lumMod val="75000"/>
-                </a:schemeClr>
-              </a:solidFill>
-            </a:endParaRPr>
-          </a:p>
-        </p:txBody>
-      </p:sp>
-    </p:spTree>
-    <p:extLst>
-      <p:ext uri="{BB962C8B-B14F-4D97-AF65-F5344CB8AC3E}">
-        <p14:creationId xmlns:p14="http://schemas.microsoft.com/office/powerpoint/2010/main" xmlns="" val="3168494829"/>
-      </p:ext>
-    </p:extLst>
-  </p:cSld>
-  <p:clrMapOvr>
-    <a:masterClrMapping/>
-  </p:clrMapOvr>
-</p:sld>
-</file>
-
-<file path=ppt/slides/slide28.xml><?xml version="1.0" encoding="utf-8"?>
+<file path=ppt/slides/slide24.xml><?xml version="1.0" encoding="utf-8"?>
 <p:sld xmlns:a="http://schemas.openxmlformats.org/drawingml/2006/main" xmlns:r="http://schemas.openxmlformats.org/officeDocument/2006/relationships" xmlns:p="http://schemas.openxmlformats.org/presentationml/2006/main">
   <p:cSld>
     <p:bg>
@@ -12295,7 +10916,7 @@
 </p:sld>
 </file>
 
-<file path=ppt/slides/slide29.xml><?xml version="1.0" encoding="utf-8"?>
+<file path=ppt/slides/slide25.xml><?xml version="1.0" encoding="utf-8"?>
 <p:sld xmlns:a="http://schemas.openxmlformats.org/drawingml/2006/main" xmlns:r="http://schemas.openxmlformats.org/officeDocument/2006/relationships" xmlns:p="http://schemas.openxmlformats.org/presentationml/2006/main">
   <p:cSld>
     <p:spTree>
@@ -12417,12 +11038,12 @@
           <a:p>
             <a:pPr algn="r"/>
             <a:r>
-              <a:rPr lang="en-US" altLang="ko-KR" sz="3200" b="1" dirty="0">
+              <a:rPr lang="en-US" altLang="ko-KR" sz="3200" b="1" dirty="0" smtClean="0">
                 <a:solidFill>
                   <a:schemeClr val="accent4"/>
                 </a:solidFill>
               </a:rPr>
-              <a:t>2-6.</a:t>
+              <a:t>2-5.</a:t>
             </a:r>
             <a:endParaRPr lang="ko-KR" altLang="en-US" sz="3200" b="1" dirty="0">
               <a:solidFill>
@@ -14599,6 +13220,937 @@
 </p:sld>
 </file>
 
+<file path=ppt/slides/slide26.xml><?xml version="1.0" encoding="utf-8"?>
+<p:sld xmlns:a="http://schemas.openxmlformats.org/drawingml/2006/main" xmlns:r="http://schemas.openxmlformats.org/officeDocument/2006/relationships" xmlns:p="http://schemas.openxmlformats.org/presentationml/2006/main">
+  <p:cSld>
+    <p:spTree>
+      <p:nvGrpSpPr>
+        <p:cNvPr id="1" name=""/>
+        <p:cNvGrpSpPr/>
+        <p:nvPr/>
+      </p:nvGrpSpPr>
+      <p:grpSpPr>
+        <a:xfrm>
+          <a:off x="0" y="0"/>
+          <a:ext cx="0" cy="0"/>
+          <a:chOff x="0" y="0"/>
+          <a:chExt cx="0" cy="0"/>
+        </a:xfrm>
+      </p:grpSpPr>
+      <p:sp>
+        <p:nvSpPr>
+          <p:cNvPr id="9" name="직사각형 8"/>
+          <p:cNvSpPr/>
+          <p:nvPr/>
+        </p:nvSpPr>
+        <p:spPr>
+          <a:xfrm>
+            <a:off x="0" y="0"/>
+            <a:ext cx="12192000" cy="1638300"/>
+          </a:xfrm>
+          <a:prstGeom prst="rect">
+            <a:avLst/>
+          </a:prstGeom>
+          <a:solidFill>
+            <a:schemeClr val="bg2"/>
+          </a:solidFill>
+          <a:ln>
+            <a:noFill/>
+          </a:ln>
+        </p:spPr>
+        <p:style>
+          <a:lnRef idx="2">
+            <a:schemeClr val="accent1">
+              <a:shade val="50000"/>
+            </a:schemeClr>
+          </a:lnRef>
+          <a:fillRef idx="1">
+            <a:schemeClr val="accent1"/>
+          </a:fillRef>
+          <a:effectRef idx="0">
+            <a:schemeClr val="accent1"/>
+          </a:effectRef>
+          <a:fontRef idx="minor">
+            <a:schemeClr val="lt1"/>
+          </a:fontRef>
+        </p:style>
+        <p:txBody>
+          <a:bodyPr rtlCol="0" anchor="ctr"/>
+          <a:lstStyle/>
+          <a:p>
+            <a:pPr algn="ctr"/>
+            <a:endParaRPr lang="ko-KR" altLang="en-US"/>
+          </a:p>
+        </p:txBody>
+      </p:sp>
+      <p:cxnSp>
+        <p:nvCxnSpPr>
+          <p:cNvPr id="2" name="직선 연결선 1"/>
+          <p:cNvCxnSpPr/>
+          <p:nvPr/>
+        </p:nvCxnSpPr>
+        <p:spPr>
+          <a:xfrm>
+            <a:off x="139700" y="491296"/>
+            <a:ext cx="1993900" cy="0"/>
+          </a:xfrm>
+          <a:prstGeom prst="line">
+            <a:avLst/>
+          </a:prstGeom>
+          <a:ln>
+            <a:solidFill>
+              <a:schemeClr val="accent4"/>
+            </a:solidFill>
+          </a:ln>
+        </p:spPr>
+        <p:style>
+          <a:lnRef idx="1">
+            <a:schemeClr val="accent1"/>
+          </a:lnRef>
+          <a:fillRef idx="0">
+            <a:schemeClr val="accent1"/>
+          </a:fillRef>
+          <a:effectRef idx="0">
+            <a:schemeClr val="accent1"/>
+          </a:effectRef>
+          <a:fontRef idx="minor">
+            <a:schemeClr val="tx1"/>
+          </a:fontRef>
+        </p:style>
+      </p:cxnSp>
+      <p:sp>
+        <p:nvSpPr>
+          <p:cNvPr id="4" name="TextBox 3"/>
+          <p:cNvSpPr txBox="1"/>
+          <p:nvPr/>
+        </p:nvSpPr>
+        <p:spPr>
+          <a:xfrm>
+            <a:off x="1345631" y="652394"/>
+            <a:ext cx="889987" cy="584775"/>
+          </a:xfrm>
+          <a:prstGeom prst="rect">
+            <a:avLst/>
+          </a:prstGeom>
+          <a:noFill/>
+        </p:spPr>
+        <p:txBody>
+          <a:bodyPr wrap="none" rtlCol="0">
+            <a:spAutoFit/>
+          </a:bodyPr>
+          <a:lstStyle/>
+          <a:p>
+            <a:pPr algn="r"/>
+            <a:r>
+              <a:rPr lang="en-US" altLang="ko-KR" sz="3200" b="1" dirty="0" smtClean="0">
+                <a:solidFill>
+                  <a:schemeClr val="accent4"/>
+                </a:solidFill>
+              </a:rPr>
+              <a:t>2-5.</a:t>
+            </a:r>
+            <a:endParaRPr lang="ko-KR" altLang="en-US" sz="3200" b="1" dirty="0">
+              <a:solidFill>
+                <a:schemeClr val="accent4"/>
+              </a:solidFill>
+            </a:endParaRPr>
+          </a:p>
+        </p:txBody>
+      </p:sp>
+      <p:sp>
+        <p:nvSpPr>
+          <p:cNvPr id="6" name="TextBox 5"/>
+          <p:cNvSpPr txBox="1"/>
+          <p:nvPr/>
+        </p:nvSpPr>
+        <p:spPr>
+          <a:xfrm>
+            <a:off x="2263852" y="645071"/>
+            <a:ext cx="5748690" cy="553998"/>
+          </a:xfrm>
+          <a:prstGeom prst="rect">
+            <a:avLst/>
+          </a:prstGeom>
+          <a:noFill/>
+        </p:spPr>
+        <p:txBody>
+          <a:bodyPr wrap="none" rtlCol="0">
+            <a:spAutoFit/>
+          </a:bodyPr>
+          <a:lstStyle/>
+          <a:p>
+            <a:r>
+              <a:rPr lang="ko-KR" altLang="en-US" sz="3000" b="1" spc="-150" dirty="0">
+                <a:solidFill>
+                  <a:schemeClr val="accent4"/>
+                </a:solidFill>
+                <a:latin typeface="+mj-ea"/>
+              </a:rPr>
+              <a:t>우성 하이테크 방문 및 전문가 미팅</a:t>
+            </a:r>
+          </a:p>
+        </p:txBody>
+      </p:sp>
+      <p:sp>
+        <p:nvSpPr>
+          <p:cNvPr id="7" name="TextBox 6">
+            <a:extLst>
+              <a:ext uri="{FF2B5EF4-FFF2-40B4-BE49-F238E27FC236}">
+                <a16:creationId xmlns:a16="http://schemas.microsoft.com/office/drawing/2014/main" xmlns="" id="{CCF5EA5B-3058-4CA0-B073-66733B1B2758}"/>
+              </a:ext>
+            </a:extLst>
+          </p:cNvPr>
+          <p:cNvSpPr txBox="1"/>
+          <p:nvPr/>
+        </p:nvSpPr>
+        <p:spPr>
+          <a:xfrm>
+            <a:off x="725021" y="2166918"/>
+            <a:ext cx="7085594" cy="2800767"/>
+          </a:xfrm>
+          <a:prstGeom prst="rect">
+            <a:avLst/>
+          </a:prstGeom>
+          <a:noFill/>
+        </p:spPr>
+        <p:txBody>
+          <a:bodyPr wrap="none" rtlCol="0">
+            <a:spAutoFit/>
+          </a:bodyPr>
+          <a:lstStyle/>
+          <a:p>
+            <a:r>
+              <a:rPr lang="ko-KR" altLang="en-US" sz="1600" b="1" dirty="0">
+                <a:solidFill>
+                  <a:schemeClr val="tx2"/>
+                </a:solidFill>
+              </a:rPr>
+              <a:t> </a:t>
+            </a:r>
+            <a:r>
+              <a:rPr lang="en-US" altLang="ko-KR" sz="1600" b="1" dirty="0">
+                <a:solidFill>
+                  <a:schemeClr val="tx2"/>
+                </a:solidFill>
+              </a:rPr>
+              <a:t>- </a:t>
+            </a:r>
+            <a:r>
+              <a:rPr lang="ko-KR" altLang="en-US" sz="1600" b="1" dirty="0">
+                <a:solidFill>
+                  <a:schemeClr val="tx2"/>
+                </a:solidFill>
+              </a:rPr>
+              <a:t>데이터 수집 가능 여부 파악</a:t>
+            </a:r>
+            <a:endParaRPr lang="en-US" altLang="ko-KR" sz="1600" b="1" dirty="0">
+              <a:solidFill>
+                <a:schemeClr val="tx2"/>
+              </a:solidFill>
+            </a:endParaRPr>
+          </a:p>
+          <a:p>
+            <a:endParaRPr lang="en-US" altLang="ko-KR" sz="1600" b="1" dirty="0">
+              <a:solidFill>
+                <a:schemeClr val="tx2"/>
+              </a:solidFill>
+            </a:endParaRPr>
+          </a:p>
+          <a:p>
+            <a:endParaRPr lang="en-US" altLang="ko-KR" sz="1600" b="1" dirty="0">
+              <a:solidFill>
+                <a:schemeClr val="tx2"/>
+              </a:solidFill>
+            </a:endParaRPr>
+          </a:p>
+          <a:p>
+            <a:r>
+              <a:rPr lang="en-US" altLang="ko-KR" sz="1600" b="1" dirty="0">
+                <a:solidFill>
+                  <a:schemeClr val="tx2"/>
+                </a:solidFill>
+              </a:rPr>
+              <a:t> - </a:t>
+            </a:r>
+            <a:r>
+              <a:rPr lang="ko-KR" altLang="en-US" sz="1600" b="1" dirty="0">
+                <a:solidFill>
+                  <a:schemeClr val="tx2"/>
+                </a:solidFill>
+              </a:rPr>
+              <a:t>실제 용접 양산 과정에서 나오는 불량은 </a:t>
+            </a:r>
+            <a:r>
+              <a:rPr lang="en-US" altLang="ko-KR" sz="1600" b="1" dirty="0">
+                <a:solidFill>
+                  <a:schemeClr val="tx2"/>
+                </a:solidFill>
+              </a:rPr>
+              <a:t>2% </a:t>
+            </a:r>
+            <a:r>
+              <a:rPr lang="ko-KR" altLang="en-US" sz="1600" b="1" dirty="0">
+                <a:solidFill>
+                  <a:schemeClr val="tx2"/>
+                </a:solidFill>
+              </a:rPr>
+              <a:t>내외</a:t>
+            </a:r>
+            <a:endParaRPr lang="en-US" altLang="ko-KR" sz="1600" b="1" dirty="0">
+              <a:solidFill>
+                <a:schemeClr val="tx2"/>
+              </a:solidFill>
+            </a:endParaRPr>
+          </a:p>
+          <a:p>
+            <a:r>
+              <a:rPr lang="en-US" altLang="ko-KR" sz="1600" b="1" dirty="0">
+                <a:solidFill>
+                  <a:schemeClr val="tx2"/>
+                </a:solidFill>
+              </a:rPr>
+              <a:t>  </a:t>
+            </a:r>
+          </a:p>
+          <a:p>
+            <a:endParaRPr lang="en-US" altLang="ko-KR" sz="1600" b="1" dirty="0">
+              <a:solidFill>
+                <a:schemeClr val="tx2"/>
+              </a:solidFill>
+            </a:endParaRPr>
+          </a:p>
+          <a:p>
+            <a:r>
+              <a:rPr lang="en-US" altLang="ko-KR" sz="1600" b="1" dirty="0">
+                <a:solidFill>
+                  <a:schemeClr val="tx2"/>
+                </a:solidFill>
+                <a:sym typeface="Wingdings" panose="05000000000000000000" pitchFamily="2" charset="2"/>
+              </a:rPr>
+              <a:t>  100</a:t>
+            </a:r>
+            <a:r>
+              <a:rPr lang="ko-KR" altLang="en-US" sz="1600" b="1" dirty="0">
+                <a:solidFill>
+                  <a:schemeClr val="tx2"/>
+                </a:solidFill>
+                <a:sym typeface="Wingdings" panose="05000000000000000000" pitchFamily="2" charset="2"/>
+              </a:rPr>
+              <a:t>대의 용접기로 양산을 하는 회사 기준 월 </a:t>
+            </a:r>
+            <a:r>
+              <a:rPr lang="en-US" altLang="ko-KR" sz="1600" b="1" dirty="0">
+                <a:solidFill>
+                  <a:schemeClr val="tx2"/>
+                </a:solidFill>
+                <a:sym typeface="Wingdings" panose="05000000000000000000" pitchFamily="2" charset="2"/>
+              </a:rPr>
+              <a:t>120</a:t>
+            </a:r>
+            <a:r>
+              <a:rPr lang="ko-KR" altLang="en-US" sz="1600" b="1" dirty="0">
+                <a:solidFill>
+                  <a:schemeClr val="tx2"/>
+                </a:solidFill>
+                <a:sym typeface="Wingdings" panose="05000000000000000000" pitchFamily="2" charset="2"/>
+              </a:rPr>
+              <a:t>개 이하 </a:t>
+            </a:r>
+            <a:r>
+              <a:rPr lang="en-US" altLang="ko-KR" sz="1600" b="1" dirty="0">
+                <a:solidFill>
+                  <a:schemeClr val="tx2"/>
+                </a:solidFill>
+                <a:sym typeface="Wingdings" panose="05000000000000000000" pitchFamily="2" charset="2"/>
+              </a:rPr>
+              <a:t>(</a:t>
+            </a:r>
+            <a:r>
+              <a:rPr lang="ko-KR" altLang="en-US" sz="1600" b="1" dirty="0">
+                <a:solidFill>
+                  <a:schemeClr val="tx2"/>
+                </a:solidFill>
+                <a:sym typeface="Wingdings" panose="05000000000000000000" pitchFamily="2" charset="2"/>
+              </a:rPr>
+              <a:t>현실적 불가능</a:t>
+            </a:r>
+            <a:r>
+              <a:rPr lang="en-US" altLang="ko-KR" sz="1600" b="1" dirty="0">
+                <a:solidFill>
+                  <a:schemeClr val="tx2"/>
+                </a:solidFill>
+                <a:sym typeface="Wingdings" panose="05000000000000000000" pitchFamily="2" charset="2"/>
+              </a:rPr>
+              <a:t>)</a:t>
+            </a:r>
+          </a:p>
+          <a:p>
+            <a:endParaRPr lang="en-US" altLang="ko-KR" sz="1600" b="1" dirty="0">
+              <a:solidFill>
+                <a:schemeClr val="tx2"/>
+              </a:solidFill>
+              <a:sym typeface="Wingdings" panose="05000000000000000000" pitchFamily="2" charset="2"/>
+            </a:endParaRPr>
+          </a:p>
+          <a:p>
+            <a:endParaRPr lang="en-US" altLang="ko-KR" sz="1600" b="1" dirty="0">
+              <a:solidFill>
+                <a:schemeClr val="tx2"/>
+              </a:solidFill>
+              <a:sym typeface="Wingdings" panose="05000000000000000000" pitchFamily="2" charset="2"/>
+            </a:endParaRPr>
+          </a:p>
+          <a:p>
+            <a:r>
+              <a:rPr lang="en-US" altLang="ko-KR" sz="1600" b="1" dirty="0">
+                <a:solidFill>
+                  <a:schemeClr val="tx2"/>
+                </a:solidFill>
+                <a:sym typeface="Wingdings" panose="05000000000000000000" pitchFamily="2" charset="2"/>
+              </a:rPr>
+              <a:t>  </a:t>
+            </a:r>
+            <a:r>
+              <a:rPr lang="ko-KR" altLang="en-US" sz="1600" b="1" dirty="0">
+                <a:solidFill>
+                  <a:schemeClr val="tx2"/>
+                </a:solidFill>
+                <a:sym typeface="Wingdings" panose="05000000000000000000" pitchFamily="2" charset="2"/>
+              </a:rPr>
+              <a:t>프리랜서 </a:t>
+            </a:r>
+            <a:r>
+              <a:rPr lang="ko-KR" altLang="en-US" sz="1600" b="1" dirty="0" err="1">
+                <a:solidFill>
+                  <a:schemeClr val="tx2"/>
+                </a:solidFill>
+                <a:sym typeface="Wingdings" panose="05000000000000000000" pitchFamily="2" charset="2"/>
+              </a:rPr>
+              <a:t>용접사</a:t>
+            </a:r>
+            <a:r>
+              <a:rPr lang="ko-KR" altLang="en-US" sz="1600" b="1" dirty="0">
+                <a:solidFill>
+                  <a:schemeClr val="tx2"/>
+                </a:solidFill>
+                <a:sym typeface="Wingdings" panose="05000000000000000000" pitchFamily="2" charset="2"/>
+              </a:rPr>
+              <a:t> 섭외 후 </a:t>
+            </a:r>
+            <a:r>
+              <a:rPr lang="en-US" altLang="ko-KR" sz="1600" b="1" dirty="0">
+                <a:solidFill>
+                  <a:schemeClr val="tx2"/>
+                </a:solidFill>
+                <a:sym typeface="Wingdings" panose="05000000000000000000" pitchFamily="2" charset="2"/>
+              </a:rPr>
+              <a:t>1-2</a:t>
+            </a:r>
+            <a:r>
+              <a:rPr lang="ko-KR" altLang="en-US" sz="1600" b="1" dirty="0">
+                <a:solidFill>
+                  <a:schemeClr val="tx2"/>
+                </a:solidFill>
+                <a:sym typeface="Wingdings" panose="05000000000000000000" pitchFamily="2" charset="2"/>
+              </a:rPr>
+              <a:t>일 불량품 제조 방안 검토 요구</a:t>
+            </a:r>
+            <a:endParaRPr lang="en-US" altLang="ko-KR" sz="1600" b="1" dirty="0">
+              <a:solidFill>
+                <a:schemeClr val="tx2"/>
+              </a:solidFill>
+              <a:sym typeface="Wingdings" panose="05000000000000000000" pitchFamily="2" charset="2"/>
+            </a:endParaRPr>
+          </a:p>
+          <a:p>
+            <a:endParaRPr lang="en-US" altLang="ko-KR" sz="1600" dirty="0">
+              <a:latin typeface="210 옴니고딕 030" panose="02020603020101020101" pitchFamily="18" charset="-127"/>
+              <a:ea typeface="210 옴니고딕 030" panose="02020603020101020101" pitchFamily="18" charset="-127"/>
+            </a:endParaRPr>
+          </a:p>
+        </p:txBody>
+      </p:sp>
+    </p:spTree>
+    <p:extLst>
+      <p:ext uri="{BB962C8B-B14F-4D97-AF65-F5344CB8AC3E}">
+        <p14:creationId xmlns:p14="http://schemas.microsoft.com/office/powerpoint/2010/main" xmlns="" val="3168494829"/>
+      </p:ext>
+    </p:extLst>
+  </p:cSld>
+  <p:clrMapOvr>
+    <a:masterClrMapping/>
+  </p:clrMapOvr>
+</p:sld>
+</file>
+
+<file path=ppt/slides/slide27.xml><?xml version="1.0" encoding="utf-8"?>
+<p:sld xmlns:a="http://schemas.openxmlformats.org/drawingml/2006/main" xmlns:r="http://schemas.openxmlformats.org/officeDocument/2006/relationships" xmlns:p="http://schemas.openxmlformats.org/presentationml/2006/main">
+  <p:cSld>
+    <p:spTree>
+      <p:nvGrpSpPr>
+        <p:cNvPr id="1" name=""/>
+        <p:cNvGrpSpPr/>
+        <p:nvPr/>
+      </p:nvGrpSpPr>
+      <p:grpSpPr>
+        <a:xfrm>
+          <a:off x="0" y="0"/>
+          <a:ext cx="0" cy="0"/>
+          <a:chOff x="0" y="0"/>
+          <a:chExt cx="0" cy="0"/>
+        </a:xfrm>
+      </p:grpSpPr>
+      <p:sp>
+        <p:nvSpPr>
+          <p:cNvPr id="9" name="직사각형 8"/>
+          <p:cNvSpPr/>
+          <p:nvPr/>
+        </p:nvSpPr>
+        <p:spPr>
+          <a:xfrm>
+            <a:off x="0" y="0"/>
+            <a:ext cx="12192000" cy="1638300"/>
+          </a:xfrm>
+          <a:prstGeom prst="rect">
+            <a:avLst/>
+          </a:prstGeom>
+          <a:solidFill>
+            <a:schemeClr val="bg2"/>
+          </a:solidFill>
+          <a:ln>
+            <a:noFill/>
+          </a:ln>
+        </p:spPr>
+        <p:style>
+          <a:lnRef idx="2">
+            <a:schemeClr val="accent1">
+              <a:shade val="50000"/>
+            </a:schemeClr>
+          </a:lnRef>
+          <a:fillRef idx="1">
+            <a:schemeClr val="accent1"/>
+          </a:fillRef>
+          <a:effectRef idx="0">
+            <a:schemeClr val="accent1"/>
+          </a:effectRef>
+          <a:fontRef idx="minor">
+            <a:schemeClr val="lt1"/>
+          </a:fontRef>
+        </p:style>
+        <p:txBody>
+          <a:bodyPr rtlCol="0" anchor="ctr"/>
+          <a:lstStyle/>
+          <a:p>
+            <a:pPr algn="ctr"/>
+            <a:endParaRPr lang="ko-KR" altLang="en-US"/>
+          </a:p>
+        </p:txBody>
+      </p:sp>
+      <p:cxnSp>
+        <p:nvCxnSpPr>
+          <p:cNvPr id="2" name="직선 연결선 1"/>
+          <p:cNvCxnSpPr/>
+          <p:nvPr/>
+        </p:nvCxnSpPr>
+        <p:spPr>
+          <a:xfrm>
+            <a:off x="139700" y="491296"/>
+            <a:ext cx="1993900" cy="0"/>
+          </a:xfrm>
+          <a:prstGeom prst="line">
+            <a:avLst/>
+          </a:prstGeom>
+          <a:ln>
+            <a:solidFill>
+              <a:schemeClr val="accent4"/>
+            </a:solidFill>
+          </a:ln>
+        </p:spPr>
+        <p:style>
+          <a:lnRef idx="1">
+            <a:schemeClr val="accent1"/>
+          </a:lnRef>
+          <a:fillRef idx="0">
+            <a:schemeClr val="accent1"/>
+          </a:fillRef>
+          <a:effectRef idx="0">
+            <a:schemeClr val="accent1"/>
+          </a:effectRef>
+          <a:fontRef idx="minor">
+            <a:schemeClr val="tx1"/>
+          </a:fontRef>
+        </p:style>
+      </p:cxnSp>
+      <p:sp>
+        <p:nvSpPr>
+          <p:cNvPr id="4" name="TextBox 3"/>
+          <p:cNvSpPr txBox="1"/>
+          <p:nvPr/>
+        </p:nvSpPr>
+        <p:spPr>
+          <a:xfrm>
+            <a:off x="1345631" y="652394"/>
+            <a:ext cx="889987" cy="584775"/>
+          </a:xfrm>
+          <a:prstGeom prst="rect">
+            <a:avLst/>
+          </a:prstGeom>
+          <a:noFill/>
+        </p:spPr>
+        <p:txBody>
+          <a:bodyPr wrap="none" rtlCol="0">
+            <a:spAutoFit/>
+          </a:bodyPr>
+          <a:lstStyle/>
+          <a:p>
+            <a:pPr algn="r"/>
+            <a:r>
+              <a:rPr lang="en-US" altLang="ko-KR" sz="3200" b="1" dirty="0" smtClean="0">
+                <a:solidFill>
+                  <a:schemeClr val="accent4"/>
+                </a:solidFill>
+              </a:rPr>
+              <a:t>2-6.</a:t>
+            </a:r>
+            <a:endParaRPr lang="ko-KR" altLang="en-US" sz="3200" b="1" dirty="0">
+              <a:solidFill>
+                <a:schemeClr val="accent4"/>
+              </a:solidFill>
+            </a:endParaRPr>
+          </a:p>
+        </p:txBody>
+      </p:sp>
+      <p:sp>
+        <p:nvSpPr>
+          <p:cNvPr id="6" name="TextBox 5"/>
+          <p:cNvSpPr txBox="1"/>
+          <p:nvPr/>
+        </p:nvSpPr>
+        <p:spPr>
+          <a:xfrm>
+            <a:off x="2263852" y="645071"/>
+            <a:ext cx="1620957" cy="553998"/>
+          </a:xfrm>
+          <a:prstGeom prst="rect">
+            <a:avLst/>
+          </a:prstGeom>
+          <a:noFill/>
+        </p:spPr>
+        <p:txBody>
+          <a:bodyPr wrap="none" rtlCol="0">
+            <a:spAutoFit/>
+          </a:bodyPr>
+          <a:lstStyle/>
+          <a:p>
+            <a:r>
+              <a:rPr lang="ko-KR" altLang="en-US" sz="3000" b="1" spc="-150" dirty="0" err="1">
+                <a:solidFill>
+                  <a:schemeClr val="accent4"/>
+                </a:solidFill>
+                <a:latin typeface="+mj-ea"/>
+              </a:rPr>
+              <a:t>향후계획</a:t>
+            </a:r>
+            <a:endParaRPr lang="ko-KR" altLang="en-US" sz="3000" b="1" spc="-150" dirty="0">
+              <a:solidFill>
+                <a:schemeClr val="accent4"/>
+              </a:solidFill>
+              <a:latin typeface="+mj-ea"/>
+            </a:endParaRPr>
+          </a:p>
+        </p:txBody>
+      </p:sp>
+      <p:sp>
+        <p:nvSpPr>
+          <p:cNvPr id="15" name="TextBox 14"/>
+          <p:cNvSpPr txBox="1"/>
+          <p:nvPr/>
+        </p:nvSpPr>
+        <p:spPr>
+          <a:xfrm>
+            <a:off x="1108363" y="2365375"/>
+            <a:ext cx="7467601" cy="3693319"/>
+          </a:xfrm>
+          <a:prstGeom prst="rect">
+            <a:avLst/>
+          </a:prstGeom>
+          <a:noFill/>
+        </p:spPr>
+        <p:txBody>
+          <a:bodyPr wrap="square" rtlCol="0">
+            <a:spAutoFit/>
+          </a:bodyPr>
+          <a:lstStyle/>
+          <a:p>
+            <a:pPr marL="342900" indent="-342900"/>
+            <a:r>
+              <a:rPr lang="en-US" altLang="ko-KR" b="1" dirty="0" smtClean="0">
+                <a:solidFill>
+                  <a:schemeClr val="accent4"/>
+                </a:solidFill>
+              </a:rPr>
+              <a:t>- PySide2</a:t>
+            </a:r>
+            <a:r>
+              <a:rPr lang="ko-KR" altLang="en-US" b="1" dirty="0" smtClean="0">
+                <a:solidFill>
+                  <a:schemeClr val="accent4"/>
+                </a:solidFill>
+              </a:rPr>
+              <a:t>로 변환작업</a:t>
+            </a:r>
+            <a:endParaRPr lang="en-US" altLang="ko-KR" b="1" dirty="0" smtClean="0">
+              <a:solidFill>
+                <a:schemeClr val="accent4"/>
+              </a:solidFill>
+            </a:endParaRPr>
+          </a:p>
+          <a:p>
+            <a:pPr marL="342900" indent="-342900"/>
+            <a:endParaRPr lang="en-US" altLang="ko-KR" b="1" dirty="0" smtClean="0">
+              <a:solidFill>
+                <a:schemeClr val="bg1">
+                  <a:lumMod val="75000"/>
+                </a:schemeClr>
+              </a:solidFill>
+            </a:endParaRPr>
+          </a:p>
+          <a:p>
+            <a:pPr marL="342900" indent="-342900"/>
+            <a:endParaRPr lang="en-US" altLang="ko-KR" b="1" dirty="0" smtClean="0">
+              <a:solidFill>
+                <a:schemeClr val="bg1">
+                  <a:lumMod val="75000"/>
+                </a:schemeClr>
+              </a:solidFill>
+            </a:endParaRPr>
+          </a:p>
+          <a:p>
+            <a:r>
+              <a:rPr lang="en-US" altLang="ko-KR" b="1" dirty="0" smtClean="0">
+                <a:solidFill>
+                  <a:schemeClr val="tx2"/>
+                </a:solidFill>
+              </a:rPr>
+              <a:t>- </a:t>
+            </a:r>
+            <a:r>
+              <a:rPr lang="ko-KR" altLang="en-US" b="1" dirty="0" smtClean="0">
+                <a:solidFill>
+                  <a:schemeClr val="tx2"/>
+                </a:solidFill>
+              </a:rPr>
+              <a:t>이전에 찾았던 논문은 </a:t>
+            </a:r>
+            <a:r>
+              <a:rPr lang="en-US" altLang="ko-KR" b="1" dirty="0" smtClean="0">
+                <a:solidFill>
+                  <a:schemeClr val="tx2"/>
+                </a:solidFill>
+              </a:rPr>
+              <a:t>Arc Welding </a:t>
+            </a:r>
+            <a:r>
+              <a:rPr lang="ko-KR" altLang="en-US" b="1" dirty="0" smtClean="0">
+                <a:solidFill>
+                  <a:schemeClr val="tx2"/>
+                </a:solidFill>
+              </a:rPr>
+              <a:t>중 </a:t>
+            </a:r>
+            <a:r>
+              <a:rPr lang="en-US" altLang="ko-KR" b="1" dirty="0" smtClean="0">
+                <a:solidFill>
+                  <a:schemeClr val="tx2"/>
+                </a:solidFill>
+              </a:rPr>
+              <a:t>SMAW </a:t>
+            </a:r>
+            <a:r>
+              <a:rPr lang="ko-KR" altLang="en-US" b="1" dirty="0" smtClean="0">
+                <a:solidFill>
+                  <a:schemeClr val="tx2"/>
+                </a:solidFill>
+              </a:rPr>
+              <a:t>방식에 관한 논문</a:t>
+            </a:r>
+            <a:endParaRPr lang="en-US" altLang="ko-KR" b="1" dirty="0" smtClean="0">
+              <a:solidFill>
+                <a:schemeClr val="tx2"/>
+              </a:solidFill>
+            </a:endParaRPr>
+          </a:p>
+          <a:p>
+            <a:endParaRPr lang="en-US" altLang="ko-KR" b="1" dirty="0" smtClean="0">
+              <a:solidFill>
+                <a:schemeClr val="tx2"/>
+              </a:solidFill>
+            </a:endParaRPr>
+          </a:p>
+          <a:p>
+            <a:endParaRPr lang="en-US" altLang="ko-KR" b="1" dirty="0" smtClean="0">
+              <a:solidFill>
+                <a:schemeClr val="tx2"/>
+              </a:solidFill>
+            </a:endParaRPr>
+          </a:p>
+          <a:p>
+            <a:r>
+              <a:rPr lang="en-US" altLang="ko-KR" b="1" dirty="0" smtClean="0">
+                <a:solidFill>
+                  <a:schemeClr val="tx2"/>
+                </a:solidFill>
+              </a:rPr>
+              <a:t>- MIG </a:t>
+            </a:r>
+            <a:r>
+              <a:rPr lang="ko-KR" altLang="en-US" b="1" dirty="0" smtClean="0">
+                <a:solidFill>
+                  <a:schemeClr val="tx2"/>
+                </a:solidFill>
+              </a:rPr>
+              <a:t>용접을 다루는 논문 탐색 </a:t>
+            </a:r>
+            <a:endParaRPr lang="en-US" altLang="ko-KR" b="1" dirty="0" smtClean="0">
+              <a:solidFill>
+                <a:schemeClr val="tx2"/>
+              </a:solidFill>
+            </a:endParaRPr>
+          </a:p>
+          <a:p>
+            <a:endParaRPr lang="en-US" altLang="ko-KR" b="1" dirty="0" smtClean="0">
+              <a:solidFill>
+                <a:schemeClr val="tx2"/>
+              </a:solidFill>
+            </a:endParaRPr>
+          </a:p>
+          <a:p>
+            <a:endParaRPr lang="en-US" altLang="ko-KR" b="1" dirty="0" smtClean="0">
+              <a:solidFill>
+                <a:schemeClr val="tx2"/>
+              </a:solidFill>
+            </a:endParaRPr>
+          </a:p>
+          <a:p>
+            <a:r>
+              <a:rPr lang="en-US" altLang="ko-KR" b="1" dirty="0" smtClean="0">
+                <a:solidFill>
+                  <a:schemeClr val="tx2"/>
+                </a:solidFill>
+              </a:rPr>
+              <a:t>- </a:t>
+            </a:r>
+            <a:r>
+              <a:rPr lang="ko-KR" altLang="en-US" b="1" dirty="0" smtClean="0">
+                <a:solidFill>
+                  <a:schemeClr val="tx2"/>
+                </a:solidFill>
+              </a:rPr>
+              <a:t>전류</a:t>
+            </a:r>
+            <a:r>
+              <a:rPr lang="en-US" altLang="ko-KR" b="1" dirty="0" smtClean="0">
+                <a:solidFill>
+                  <a:schemeClr val="tx2"/>
+                </a:solidFill>
+              </a:rPr>
+              <a:t>, </a:t>
+            </a:r>
+            <a:r>
+              <a:rPr lang="ko-KR" altLang="en-US" b="1" dirty="0" err="1" smtClean="0">
+                <a:solidFill>
+                  <a:schemeClr val="tx2"/>
+                </a:solidFill>
+              </a:rPr>
+              <a:t>토치</a:t>
+            </a:r>
+            <a:r>
+              <a:rPr lang="ko-KR" altLang="en-US" b="1" dirty="0" smtClean="0">
+                <a:solidFill>
+                  <a:schemeClr val="tx2"/>
+                </a:solidFill>
+              </a:rPr>
+              <a:t> 속도</a:t>
+            </a:r>
+            <a:r>
+              <a:rPr lang="en-US" altLang="ko-KR" b="1" dirty="0" smtClean="0">
+                <a:solidFill>
+                  <a:schemeClr val="tx2"/>
+                </a:solidFill>
+              </a:rPr>
+              <a:t>, </a:t>
+            </a:r>
+            <a:r>
+              <a:rPr lang="ko-KR" altLang="en-US" b="1" dirty="0" smtClean="0">
+                <a:solidFill>
+                  <a:schemeClr val="tx2"/>
+                </a:solidFill>
+              </a:rPr>
+              <a:t>각도 등의 조건 변화 실습</a:t>
+            </a:r>
+            <a:endParaRPr lang="en-US" altLang="ko-KR" b="1" dirty="0" smtClean="0">
+              <a:solidFill>
+                <a:schemeClr val="accent4"/>
+              </a:solidFill>
+            </a:endParaRPr>
+          </a:p>
+          <a:p>
+            <a:pPr marL="342900" indent="-342900"/>
+            <a:endParaRPr lang="en-US" altLang="ko-KR" b="1" dirty="0" smtClean="0">
+              <a:solidFill>
+                <a:schemeClr val="accent4"/>
+              </a:solidFill>
+            </a:endParaRPr>
+          </a:p>
+          <a:p>
+            <a:pPr marL="342900" indent="-342900"/>
+            <a:endParaRPr lang="en-US" altLang="ko-KR" b="1" dirty="0" smtClean="0">
+              <a:solidFill>
+                <a:schemeClr val="accent4"/>
+              </a:solidFill>
+            </a:endParaRPr>
+          </a:p>
+          <a:p>
+            <a:pPr marL="342900" indent="-342900"/>
+            <a:r>
+              <a:rPr lang="en-US" altLang="ko-KR" b="1" dirty="0" smtClean="0">
+                <a:solidFill>
+                  <a:schemeClr val="accent4"/>
+                </a:solidFill>
+              </a:rPr>
+              <a:t>- </a:t>
+            </a:r>
+            <a:r>
+              <a:rPr lang="ko-KR" altLang="en-US" b="1" dirty="0">
+                <a:solidFill>
+                  <a:schemeClr val="accent4"/>
+                </a:solidFill>
+              </a:rPr>
+              <a:t>데이터 수집 방안 관련 피드백 후 수집 예정</a:t>
+            </a:r>
+            <a:endParaRPr lang="en-US" altLang="ko-KR" b="1" dirty="0">
+              <a:solidFill>
+                <a:schemeClr val="bg1">
+                  <a:lumMod val="75000"/>
+                </a:schemeClr>
+              </a:solidFill>
+            </a:endParaRPr>
+          </a:p>
+        </p:txBody>
+      </p:sp>
+    </p:spTree>
+    <p:extLst>
+      <p:ext uri="{BB962C8B-B14F-4D97-AF65-F5344CB8AC3E}">
+        <p14:creationId xmlns:p14="http://schemas.microsoft.com/office/powerpoint/2010/main" xmlns="" val="4243785115"/>
+      </p:ext>
+    </p:extLst>
+  </p:cSld>
+  <p:clrMapOvr>
+    <a:masterClrMapping/>
+  </p:clrMapOvr>
+</p:sld>
+</file>
+
 <file path=ppt/slides/slide3.xml><?xml version="1.0" encoding="utf-8"?>
 <p:sld xmlns:a="http://schemas.openxmlformats.org/drawingml/2006/main" xmlns:r="http://schemas.openxmlformats.org/officeDocument/2006/relationships" xmlns:p="http://schemas.openxmlformats.org/presentationml/2006/main">
   <p:cSld>
@@ -15172,7 +14724,7 @@
 </p:sld>
 </file>
 
-<file path=ppt/slides/slide30.xml><?xml version="1.0" encoding="utf-8"?>
+<file path=ppt/slides/slide4.xml><?xml version="1.0" encoding="utf-8"?>
 <p:sld xmlns:a="http://schemas.openxmlformats.org/drawingml/2006/main" xmlns:r="http://schemas.openxmlformats.org/officeDocument/2006/relationships" xmlns:p="http://schemas.openxmlformats.org/presentationml/2006/main">
   <p:cSld>
     <p:spTree>
@@ -15294,708 +14846,6 @@
           <a:p>
             <a:pPr algn="r"/>
             <a:r>
-              <a:rPr lang="en-US" altLang="ko-KR" sz="3200" b="1" dirty="0">
-                <a:solidFill>
-                  <a:schemeClr val="accent4"/>
-                </a:solidFill>
-              </a:rPr>
-              <a:t>2-6.</a:t>
-            </a:r>
-            <a:endParaRPr lang="ko-KR" altLang="en-US" sz="3200" b="1" dirty="0">
-              <a:solidFill>
-                <a:schemeClr val="accent4"/>
-              </a:solidFill>
-            </a:endParaRPr>
-          </a:p>
-        </p:txBody>
-      </p:sp>
-      <p:sp>
-        <p:nvSpPr>
-          <p:cNvPr id="6" name="TextBox 5"/>
-          <p:cNvSpPr txBox="1"/>
-          <p:nvPr/>
-        </p:nvSpPr>
-        <p:spPr>
-          <a:xfrm>
-            <a:off x="2263852" y="645071"/>
-            <a:ext cx="5748690" cy="553998"/>
-          </a:xfrm>
-          <a:prstGeom prst="rect">
-            <a:avLst/>
-          </a:prstGeom>
-          <a:noFill/>
-        </p:spPr>
-        <p:txBody>
-          <a:bodyPr wrap="none" rtlCol="0">
-            <a:spAutoFit/>
-          </a:bodyPr>
-          <a:lstStyle/>
-          <a:p>
-            <a:r>
-              <a:rPr lang="ko-KR" altLang="en-US" sz="3000" b="1" spc="-150" dirty="0">
-                <a:solidFill>
-                  <a:schemeClr val="accent4"/>
-                </a:solidFill>
-                <a:latin typeface="+mj-ea"/>
-              </a:rPr>
-              <a:t>우성 하이테크 방문 및 전문가 미팅</a:t>
-            </a:r>
-          </a:p>
-        </p:txBody>
-      </p:sp>
-      <p:sp>
-        <p:nvSpPr>
-          <p:cNvPr id="7" name="TextBox 6">
-            <a:extLst>
-              <a:ext uri="{FF2B5EF4-FFF2-40B4-BE49-F238E27FC236}">
-                <a16:creationId xmlns:a16="http://schemas.microsoft.com/office/drawing/2014/main" xmlns="" id="{CCF5EA5B-3058-4CA0-B073-66733B1B2758}"/>
-              </a:ext>
-            </a:extLst>
-          </p:cNvPr>
-          <p:cNvSpPr txBox="1"/>
-          <p:nvPr/>
-        </p:nvSpPr>
-        <p:spPr>
-          <a:xfrm>
-            <a:off x="725021" y="2166918"/>
-            <a:ext cx="7085594" cy="2800767"/>
-          </a:xfrm>
-          <a:prstGeom prst="rect">
-            <a:avLst/>
-          </a:prstGeom>
-          <a:noFill/>
-        </p:spPr>
-        <p:txBody>
-          <a:bodyPr wrap="none" rtlCol="0">
-            <a:spAutoFit/>
-          </a:bodyPr>
-          <a:lstStyle/>
-          <a:p>
-            <a:r>
-              <a:rPr lang="ko-KR" altLang="en-US" sz="1600" b="1" dirty="0">
-                <a:solidFill>
-                  <a:schemeClr val="tx2"/>
-                </a:solidFill>
-              </a:rPr>
-              <a:t> </a:t>
-            </a:r>
-            <a:r>
-              <a:rPr lang="en-US" altLang="ko-KR" sz="1600" b="1" dirty="0">
-                <a:solidFill>
-                  <a:schemeClr val="tx2"/>
-                </a:solidFill>
-              </a:rPr>
-              <a:t>- </a:t>
-            </a:r>
-            <a:r>
-              <a:rPr lang="ko-KR" altLang="en-US" sz="1600" b="1" dirty="0">
-                <a:solidFill>
-                  <a:schemeClr val="tx2"/>
-                </a:solidFill>
-              </a:rPr>
-              <a:t>데이터 수집 가능 여부 파악</a:t>
-            </a:r>
-            <a:endParaRPr lang="en-US" altLang="ko-KR" sz="1600" b="1" dirty="0">
-              <a:solidFill>
-                <a:schemeClr val="tx2"/>
-              </a:solidFill>
-            </a:endParaRPr>
-          </a:p>
-          <a:p>
-            <a:endParaRPr lang="en-US" altLang="ko-KR" sz="1600" b="1" dirty="0">
-              <a:solidFill>
-                <a:schemeClr val="tx2"/>
-              </a:solidFill>
-            </a:endParaRPr>
-          </a:p>
-          <a:p>
-            <a:endParaRPr lang="en-US" altLang="ko-KR" sz="1600" b="1" dirty="0">
-              <a:solidFill>
-                <a:schemeClr val="tx2"/>
-              </a:solidFill>
-            </a:endParaRPr>
-          </a:p>
-          <a:p>
-            <a:r>
-              <a:rPr lang="en-US" altLang="ko-KR" sz="1600" b="1" dirty="0">
-                <a:solidFill>
-                  <a:schemeClr val="tx2"/>
-                </a:solidFill>
-              </a:rPr>
-              <a:t> - </a:t>
-            </a:r>
-            <a:r>
-              <a:rPr lang="ko-KR" altLang="en-US" sz="1600" b="1" dirty="0">
-                <a:solidFill>
-                  <a:schemeClr val="tx2"/>
-                </a:solidFill>
-              </a:rPr>
-              <a:t>실제 용접 양산 과정에서 나오는 불량은 </a:t>
-            </a:r>
-            <a:r>
-              <a:rPr lang="en-US" altLang="ko-KR" sz="1600" b="1" dirty="0">
-                <a:solidFill>
-                  <a:schemeClr val="tx2"/>
-                </a:solidFill>
-              </a:rPr>
-              <a:t>2% </a:t>
-            </a:r>
-            <a:r>
-              <a:rPr lang="ko-KR" altLang="en-US" sz="1600" b="1" dirty="0">
-                <a:solidFill>
-                  <a:schemeClr val="tx2"/>
-                </a:solidFill>
-              </a:rPr>
-              <a:t>내외</a:t>
-            </a:r>
-            <a:endParaRPr lang="en-US" altLang="ko-KR" sz="1600" b="1" dirty="0">
-              <a:solidFill>
-                <a:schemeClr val="tx2"/>
-              </a:solidFill>
-            </a:endParaRPr>
-          </a:p>
-          <a:p>
-            <a:r>
-              <a:rPr lang="en-US" altLang="ko-KR" sz="1600" b="1" dirty="0">
-                <a:solidFill>
-                  <a:schemeClr val="tx2"/>
-                </a:solidFill>
-              </a:rPr>
-              <a:t>  </a:t>
-            </a:r>
-          </a:p>
-          <a:p>
-            <a:endParaRPr lang="en-US" altLang="ko-KR" sz="1600" b="1" dirty="0">
-              <a:solidFill>
-                <a:schemeClr val="tx2"/>
-              </a:solidFill>
-            </a:endParaRPr>
-          </a:p>
-          <a:p>
-            <a:r>
-              <a:rPr lang="en-US" altLang="ko-KR" sz="1600" b="1" dirty="0">
-                <a:solidFill>
-                  <a:schemeClr val="tx2"/>
-                </a:solidFill>
-                <a:sym typeface="Wingdings" panose="05000000000000000000" pitchFamily="2" charset="2"/>
-              </a:rPr>
-              <a:t>  100</a:t>
-            </a:r>
-            <a:r>
-              <a:rPr lang="ko-KR" altLang="en-US" sz="1600" b="1" dirty="0">
-                <a:solidFill>
-                  <a:schemeClr val="tx2"/>
-                </a:solidFill>
-                <a:sym typeface="Wingdings" panose="05000000000000000000" pitchFamily="2" charset="2"/>
-              </a:rPr>
-              <a:t>대의 용접기로 양산을 하는 회사 기준 월 </a:t>
-            </a:r>
-            <a:r>
-              <a:rPr lang="en-US" altLang="ko-KR" sz="1600" b="1" dirty="0">
-                <a:solidFill>
-                  <a:schemeClr val="tx2"/>
-                </a:solidFill>
-                <a:sym typeface="Wingdings" panose="05000000000000000000" pitchFamily="2" charset="2"/>
-              </a:rPr>
-              <a:t>120</a:t>
-            </a:r>
-            <a:r>
-              <a:rPr lang="ko-KR" altLang="en-US" sz="1600" b="1" dirty="0">
-                <a:solidFill>
-                  <a:schemeClr val="tx2"/>
-                </a:solidFill>
-                <a:sym typeface="Wingdings" panose="05000000000000000000" pitchFamily="2" charset="2"/>
-              </a:rPr>
-              <a:t>개 이하 </a:t>
-            </a:r>
-            <a:r>
-              <a:rPr lang="en-US" altLang="ko-KR" sz="1600" b="1" dirty="0">
-                <a:solidFill>
-                  <a:schemeClr val="tx2"/>
-                </a:solidFill>
-                <a:sym typeface="Wingdings" panose="05000000000000000000" pitchFamily="2" charset="2"/>
-              </a:rPr>
-              <a:t>(</a:t>
-            </a:r>
-            <a:r>
-              <a:rPr lang="ko-KR" altLang="en-US" sz="1600" b="1" dirty="0">
-                <a:solidFill>
-                  <a:schemeClr val="tx2"/>
-                </a:solidFill>
-                <a:sym typeface="Wingdings" panose="05000000000000000000" pitchFamily="2" charset="2"/>
-              </a:rPr>
-              <a:t>현실적 불가능</a:t>
-            </a:r>
-            <a:r>
-              <a:rPr lang="en-US" altLang="ko-KR" sz="1600" b="1" dirty="0">
-                <a:solidFill>
-                  <a:schemeClr val="tx2"/>
-                </a:solidFill>
-                <a:sym typeface="Wingdings" panose="05000000000000000000" pitchFamily="2" charset="2"/>
-              </a:rPr>
-              <a:t>)</a:t>
-            </a:r>
-          </a:p>
-          <a:p>
-            <a:endParaRPr lang="en-US" altLang="ko-KR" sz="1600" b="1" dirty="0">
-              <a:solidFill>
-                <a:schemeClr val="tx2"/>
-              </a:solidFill>
-              <a:sym typeface="Wingdings" panose="05000000000000000000" pitchFamily="2" charset="2"/>
-            </a:endParaRPr>
-          </a:p>
-          <a:p>
-            <a:endParaRPr lang="en-US" altLang="ko-KR" sz="1600" b="1" dirty="0">
-              <a:solidFill>
-                <a:schemeClr val="tx2"/>
-              </a:solidFill>
-              <a:sym typeface="Wingdings" panose="05000000000000000000" pitchFamily="2" charset="2"/>
-            </a:endParaRPr>
-          </a:p>
-          <a:p>
-            <a:r>
-              <a:rPr lang="en-US" altLang="ko-KR" sz="1600" b="1" dirty="0">
-                <a:solidFill>
-                  <a:schemeClr val="tx2"/>
-                </a:solidFill>
-                <a:sym typeface="Wingdings" panose="05000000000000000000" pitchFamily="2" charset="2"/>
-              </a:rPr>
-              <a:t>  </a:t>
-            </a:r>
-            <a:r>
-              <a:rPr lang="ko-KR" altLang="en-US" sz="1600" b="1" dirty="0">
-                <a:solidFill>
-                  <a:schemeClr val="tx2"/>
-                </a:solidFill>
-                <a:sym typeface="Wingdings" panose="05000000000000000000" pitchFamily="2" charset="2"/>
-              </a:rPr>
-              <a:t>프리랜서 </a:t>
-            </a:r>
-            <a:r>
-              <a:rPr lang="ko-KR" altLang="en-US" sz="1600" b="1" dirty="0" err="1">
-                <a:solidFill>
-                  <a:schemeClr val="tx2"/>
-                </a:solidFill>
-                <a:sym typeface="Wingdings" panose="05000000000000000000" pitchFamily="2" charset="2"/>
-              </a:rPr>
-              <a:t>용접사</a:t>
-            </a:r>
-            <a:r>
-              <a:rPr lang="ko-KR" altLang="en-US" sz="1600" b="1" dirty="0">
-                <a:solidFill>
-                  <a:schemeClr val="tx2"/>
-                </a:solidFill>
-                <a:sym typeface="Wingdings" panose="05000000000000000000" pitchFamily="2" charset="2"/>
-              </a:rPr>
-              <a:t> 섭외 후 </a:t>
-            </a:r>
-            <a:r>
-              <a:rPr lang="en-US" altLang="ko-KR" sz="1600" b="1" dirty="0">
-                <a:solidFill>
-                  <a:schemeClr val="tx2"/>
-                </a:solidFill>
-                <a:sym typeface="Wingdings" panose="05000000000000000000" pitchFamily="2" charset="2"/>
-              </a:rPr>
-              <a:t>1-2</a:t>
-            </a:r>
-            <a:r>
-              <a:rPr lang="ko-KR" altLang="en-US" sz="1600" b="1" dirty="0">
-                <a:solidFill>
-                  <a:schemeClr val="tx2"/>
-                </a:solidFill>
-                <a:sym typeface="Wingdings" panose="05000000000000000000" pitchFamily="2" charset="2"/>
-              </a:rPr>
-              <a:t>일 불량품 제조 방안 검토 요구</a:t>
-            </a:r>
-            <a:endParaRPr lang="en-US" altLang="ko-KR" sz="1600" b="1" dirty="0">
-              <a:solidFill>
-                <a:schemeClr val="tx2"/>
-              </a:solidFill>
-              <a:sym typeface="Wingdings" panose="05000000000000000000" pitchFamily="2" charset="2"/>
-            </a:endParaRPr>
-          </a:p>
-          <a:p>
-            <a:endParaRPr lang="en-US" altLang="ko-KR" sz="1600" dirty="0">
-              <a:latin typeface="210 옴니고딕 030" panose="02020603020101020101" pitchFamily="18" charset="-127"/>
-              <a:ea typeface="210 옴니고딕 030" panose="02020603020101020101" pitchFamily="18" charset="-127"/>
-            </a:endParaRPr>
-          </a:p>
-        </p:txBody>
-      </p:sp>
-    </p:spTree>
-    <p:extLst>
-      <p:ext uri="{BB962C8B-B14F-4D97-AF65-F5344CB8AC3E}">
-        <p14:creationId xmlns:p14="http://schemas.microsoft.com/office/powerpoint/2010/main" xmlns="" val="3168494829"/>
-      </p:ext>
-    </p:extLst>
-  </p:cSld>
-  <p:clrMapOvr>
-    <a:masterClrMapping/>
-  </p:clrMapOvr>
-</p:sld>
-</file>
-
-<file path=ppt/slides/slide31.xml><?xml version="1.0" encoding="utf-8"?>
-<p:sld xmlns:a="http://schemas.openxmlformats.org/drawingml/2006/main" xmlns:r="http://schemas.openxmlformats.org/officeDocument/2006/relationships" xmlns:p="http://schemas.openxmlformats.org/presentationml/2006/main">
-  <p:cSld>
-    <p:spTree>
-      <p:nvGrpSpPr>
-        <p:cNvPr id="1" name=""/>
-        <p:cNvGrpSpPr/>
-        <p:nvPr/>
-      </p:nvGrpSpPr>
-      <p:grpSpPr>
-        <a:xfrm>
-          <a:off x="0" y="0"/>
-          <a:ext cx="0" cy="0"/>
-          <a:chOff x="0" y="0"/>
-          <a:chExt cx="0" cy="0"/>
-        </a:xfrm>
-      </p:grpSpPr>
-      <p:sp>
-        <p:nvSpPr>
-          <p:cNvPr id="9" name="직사각형 8"/>
-          <p:cNvSpPr/>
-          <p:nvPr/>
-        </p:nvSpPr>
-        <p:spPr>
-          <a:xfrm>
-            <a:off x="0" y="0"/>
-            <a:ext cx="12192000" cy="1638300"/>
-          </a:xfrm>
-          <a:prstGeom prst="rect">
-            <a:avLst/>
-          </a:prstGeom>
-          <a:solidFill>
-            <a:schemeClr val="bg2"/>
-          </a:solidFill>
-          <a:ln>
-            <a:noFill/>
-          </a:ln>
-        </p:spPr>
-        <p:style>
-          <a:lnRef idx="2">
-            <a:schemeClr val="accent1">
-              <a:shade val="50000"/>
-            </a:schemeClr>
-          </a:lnRef>
-          <a:fillRef idx="1">
-            <a:schemeClr val="accent1"/>
-          </a:fillRef>
-          <a:effectRef idx="0">
-            <a:schemeClr val="accent1"/>
-          </a:effectRef>
-          <a:fontRef idx="minor">
-            <a:schemeClr val="lt1"/>
-          </a:fontRef>
-        </p:style>
-        <p:txBody>
-          <a:bodyPr rtlCol="0" anchor="ctr"/>
-          <a:lstStyle/>
-          <a:p>
-            <a:pPr algn="ctr"/>
-            <a:endParaRPr lang="ko-KR" altLang="en-US"/>
-          </a:p>
-        </p:txBody>
-      </p:sp>
-      <p:cxnSp>
-        <p:nvCxnSpPr>
-          <p:cNvPr id="2" name="직선 연결선 1"/>
-          <p:cNvCxnSpPr/>
-          <p:nvPr/>
-        </p:nvCxnSpPr>
-        <p:spPr>
-          <a:xfrm>
-            <a:off x="139700" y="491296"/>
-            <a:ext cx="1993900" cy="0"/>
-          </a:xfrm>
-          <a:prstGeom prst="line">
-            <a:avLst/>
-          </a:prstGeom>
-          <a:ln>
-            <a:solidFill>
-              <a:schemeClr val="accent4"/>
-            </a:solidFill>
-          </a:ln>
-        </p:spPr>
-        <p:style>
-          <a:lnRef idx="1">
-            <a:schemeClr val="accent1"/>
-          </a:lnRef>
-          <a:fillRef idx="0">
-            <a:schemeClr val="accent1"/>
-          </a:fillRef>
-          <a:effectRef idx="0">
-            <a:schemeClr val="accent1"/>
-          </a:effectRef>
-          <a:fontRef idx="minor">
-            <a:schemeClr val="tx1"/>
-          </a:fontRef>
-        </p:style>
-      </p:cxnSp>
-      <p:sp>
-        <p:nvSpPr>
-          <p:cNvPr id="4" name="TextBox 3"/>
-          <p:cNvSpPr txBox="1"/>
-          <p:nvPr/>
-        </p:nvSpPr>
-        <p:spPr>
-          <a:xfrm>
-            <a:off x="1345631" y="652394"/>
-            <a:ext cx="889987" cy="584775"/>
-          </a:xfrm>
-          <a:prstGeom prst="rect">
-            <a:avLst/>
-          </a:prstGeom>
-          <a:noFill/>
-        </p:spPr>
-        <p:txBody>
-          <a:bodyPr wrap="none" rtlCol="0">
-            <a:spAutoFit/>
-          </a:bodyPr>
-          <a:lstStyle/>
-          <a:p>
-            <a:pPr algn="r"/>
-            <a:r>
-              <a:rPr lang="en-US" altLang="ko-KR" sz="3200" b="1">
-                <a:solidFill>
-                  <a:schemeClr val="accent4"/>
-                </a:solidFill>
-              </a:rPr>
-              <a:t>2-7.</a:t>
-            </a:r>
-            <a:endParaRPr lang="ko-KR" altLang="en-US" sz="3200" b="1" dirty="0">
-              <a:solidFill>
-                <a:schemeClr val="accent4"/>
-              </a:solidFill>
-            </a:endParaRPr>
-          </a:p>
-        </p:txBody>
-      </p:sp>
-      <p:sp>
-        <p:nvSpPr>
-          <p:cNvPr id="6" name="TextBox 5"/>
-          <p:cNvSpPr txBox="1"/>
-          <p:nvPr/>
-        </p:nvSpPr>
-        <p:spPr>
-          <a:xfrm>
-            <a:off x="2263852" y="645071"/>
-            <a:ext cx="1620957" cy="553998"/>
-          </a:xfrm>
-          <a:prstGeom prst="rect">
-            <a:avLst/>
-          </a:prstGeom>
-          <a:noFill/>
-        </p:spPr>
-        <p:txBody>
-          <a:bodyPr wrap="none" rtlCol="0">
-            <a:spAutoFit/>
-          </a:bodyPr>
-          <a:lstStyle/>
-          <a:p>
-            <a:r>
-              <a:rPr lang="ko-KR" altLang="en-US" sz="3000" b="1" spc="-150" dirty="0" err="1">
-                <a:solidFill>
-                  <a:schemeClr val="accent4"/>
-                </a:solidFill>
-                <a:latin typeface="+mj-ea"/>
-              </a:rPr>
-              <a:t>향후계획</a:t>
-            </a:r>
-            <a:endParaRPr lang="ko-KR" altLang="en-US" sz="3000" b="1" spc="-150" dirty="0">
-              <a:solidFill>
-                <a:schemeClr val="accent4"/>
-              </a:solidFill>
-              <a:latin typeface="+mj-ea"/>
-            </a:endParaRPr>
-          </a:p>
-        </p:txBody>
-      </p:sp>
-      <p:sp>
-        <p:nvSpPr>
-          <p:cNvPr id="15" name="TextBox 14"/>
-          <p:cNvSpPr txBox="1"/>
-          <p:nvPr/>
-        </p:nvSpPr>
-        <p:spPr>
-          <a:xfrm>
-            <a:off x="1108363" y="2365375"/>
-            <a:ext cx="7467601" cy="369332"/>
-          </a:xfrm>
-          <a:prstGeom prst="rect">
-            <a:avLst/>
-          </a:prstGeom>
-          <a:noFill/>
-        </p:spPr>
-        <p:txBody>
-          <a:bodyPr wrap="square" rtlCol="0">
-            <a:spAutoFit/>
-          </a:bodyPr>
-          <a:lstStyle/>
-          <a:p>
-            <a:pPr marL="342900" indent="-342900"/>
-            <a:r>
-              <a:rPr lang="en-US" altLang="ko-KR" b="1" dirty="0">
-                <a:solidFill>
-                  <a:schemeClr val="accent4"/>
-                </a:solidFill>
-              </a:rPr>
-              <a:t>- </a:t>
-            </a:r>
-            <a:r>
-              <a:rPr lang="ko-KR" altLang="en-US" b="1">
-                <a:solidFill>
-                  <a:schemeClr val="accent4"/>
-                </a:solidFill>
-              </a:rPr>
-              <a:t>데이터 수집 방안 관련 피드백 후 수집 예정</a:t>
-            </a:r>
-            <a:endParaRPr lang="en-US" altLang="ko-KR" b="1" dirty="0">
-              <a:solidFill>
-                <a:schemeClr val="bg1">
-                  <a:lumMod val="75000"/>
-                </a:schemeClr>
-              </a:solidFill>
-            </a:endParaRPr>
-          </a:p>
-        </p:txBody>
-      </p:sp>
-    </p:spTree>
-    <p:extLst>
-      <p:ext uri="{BB962C8B-B14F-4D97-AF65-F5344CB8AC3E}">
-        <p14:creationId xmlns:p14="http://schemas.microsoft.com/office/powerpoint/2010/main" xmlns="" val="4243785115"/>
-      </p:ext>
-    </p:extLst>
-  </p:cSld>
-  <p:clrMapOvr>
-    <a:masterClrMapping/>
-  </p:clrMapOvr>
-</p:sld>
-</file>
-
-<file path=ppt/slides/slide4.xml><?xml version="1.0" encoding="utf-8"?>
-<p:sld xmlns:a="http://schemas.openxmlformats.org/drawingml/2006/main" xmlns:r="http://schemas.openxmlformats.org/officeDocument/2006/relationships" xmlns:p="http://schemas.openxmlformats.org/presentationml/2006/main">
-  <p:cSld>
-    <p:spTree>
-      <p:nvGrpSpPr>
-        <p:cNvPr id="1" name=""/>
-        <p:cNvGrpSpPr/>
-        <p:nvPr/>
-      </p:nvGrpSpPr>
-      <p:grpSpPr>
-        <a:xfrm>
-          <a:off x="0" y="0"/>
-          <a:ext cx="0" cy="0"/>
-          <a:chOff x="0" y="0"/>
-          <a:chExt cx="0" cy="0"/>
-        </a:xfrm>
-      </p:grpSpPr>
-      <p:sp>
-        <p:nvSpPr>
-          <p:cNvPr id="9" name="직사각형 8"/>
-          <p:cNvSpPr/>
-          <p:nvPr/>
-        </p:nvSpPr>
-        <p:spPr>
-          <a:xfrm>
-            <a:off x="0" y="0"/>
-            <a:ext cx="12192000" cy="1638300"/>
-          </a:xfrm>
-          <a:prstGeom prst="rect">
-            <a:avLst/>
-          </a:prstGeom>
-          <a:solidFill>
-            <a:schemeClr val="bg2"/>
-          </a:solidFill>
-          <a:ln>
-            <a:noFill/>
-          </a:ln>
-        </p:spPr>
-        <p:style>
-          <a:lnRef idx="2">
-            <a:schemeClr val="accent1">
-              <a:shade val="50000"/>
-            </a:schemeClr>
-          </a:lnRef>
-          <a:fillRef idx="1">
-            <a:schemeClr val="accent1"/>
-          </a:fillRef>
-          <a:effectRef idx="0">
-            <a:schemeClr val="accent1"/>
-          </a:effectRef>
-          <a:fontRef idx="minor">
-            <a:schemeClr val="lt1"/>
-          </a:fontRef>
-        </p:style>
-        <p:txBody>
-          <a:bodyPr rtlCol="0" anchor="ctr"/>
-          <a:lstStyle/>
-          <a:p>
-            <a:pPr algn="ctr"/>
-            <a:endParaRPr lang="ko-KR" altLang="en-US"/>
-          </a:p>
-        </p:txBody>
-      </p:sp>
-      <p:cxnSp>
-        <p:nvCxnSpPr>
-          <p:cNvPr id="2" name="직선 연결선 1"/>
-          <p:cNvCxnSpPr/>
-          <p:nvPr/>
-        </p:nvCxnSpPr>
-        <p:spPr>
-          <a:xfrm>
-            <a:off x="139700" y="491296"/>
-            <a:ext cx="1993900" cy="0"/>
-          </a:xfrm>
-          <a:prstGeom prst="line">
-            <a:avLst/>
-          </a:prstGeom>
-          <a:ln>
-            <a:solidFill>
-              <a:schemeClr val="accent4"/>
-            </a:solidFill>
-          </a:ln>
-        </p:spPr>
-        <p:style>
-          <a:lnRef idx="1">
-            <a:schemeClr val="accent1"/>
-          </a:lnRef>
-          <a:fillRef idx="0">
-            <a:schemeClr val="accent1"/>
-          </a:fillRef>
-          <a:effectRef idx="0">
-            <a:schemeClr val="accent1"/>
-          </a:effectRef>
-          <a:fontRef idx="minor">
-            <a:schemeClr val="tx1"/>
-          </a:fontRef>
-        </p:style>
-      </p:cxnSp>
-      <p:sp>
-        <p:nvSpPr>
-          <p:cNvPr id="4" name="TextBox 3"/>
-          <p:cNvSpPr txBox="1"/>
-          <p:nvPr/>
-        </p:nvSpPr>
-        <p:spPr>
-          <a:xfrm>
-            <a:off x="1345631" y="652394"/>
-            <a:ext cx="889987" cy="584775"/>
-          </a:xfrm>
-          <a:prstGeom prst="rect">
-            <a:avLst/>
-          </a:prstGeom>
-          <a:noFill/>
-        </p:spPr>
-        <p:txBody>
-          <a:bodyPr wrap="none" rtlCol="0">
-            <a:spAutoFit/>
-          </a:bodyPr>
-          <a:lstStyle/>
-          <a:p>
-            <a:pPr algn="r"/>
-            <a:r>
               <a:rPr lang="en-US" altLang="ko-KR" sz="3200" b="1" dirty="0" smtClean="0">
                 <a:solidFill>
                   <a:schemeClr val="accent4"/>
@@ -16207,11 +15057,62 @@
             </a:endParaRPr>
           </a:p>
           <a:p>
-            <a:endParaRPr lang="en-US" altLang="ko-KR" b="1" dirty="0" smtClean="0">
-              <a:solidFill>
-                <a:schemeClr val="accent4"/>
-              </a:solidFill>
-            </a:endParaRPr>
+            <a:r>
+              <a:rPr lang="en-US" altLang="ko-KR" b="1" dirty="0" smtClean="0">
+                <a:solidFill>
+                  <a:schemeClr val="accent4"/>
+                </a:solidFill>
+              </a:rPr>
+              <a:t>      </a:t>
+            </a:r>
+            <a:r>
+              <a:rPr lang="ko-KR" altLang="en-US" b="1" dirty="0" smtClean="0">
+                <a:solidFill>
+                  <a:schemeClr val="accent4"/>
+                </a:solidFill>
+              </a:rPr>
+              <a:t>자료는</a:t>
+            </a:r>
+            <a:r>
+              <a:rPr lang="en-US" altLang="ko-KR" b="1" dirty="0" smtClean="0">
+                <a:solidFill>
+                  <a:schemeClr val="accent4"/>
+                </a:solidFill>
+              </a:rPr>
+              <a:t> </a:t>
+            </a:r>
+            <a:r>
+              <a:rPr lang="ko-KR" altLang="en-US" b="1" dirty="0" smtClean="0">
+                <a:solidFill>
+                  <a:schemeClr val="accent4"/>
+                </a:solidFill>
+              </a:rPr>
+              <a:t>총 </a:t>
+            </a:r>
+            <a:r>
+              <a:rPr lang="en-US" altLang="ko-KR" b="1" dirty="0" smtClean="0">
+                <a:solidFill>
+                  <a:schemeClr val="accent4"/>
+                </a:solidFill>
+              </a:rPr>
+              <a:t>71Page </a:t>
+            </a:r>
+            <a:r>
+              <a:rPr lang="ko-KR" altLang="en-US" b="1" dirty="0" smtClean="0">
+                <a:solidFill>
+                  <a:schemeClr val="accent4"/>
+                </a:solidFill>
+              </a:rPr>
+              <a:t>로 구성됨</a:t>
+            </a:r>
+            <a:r>
+              <a:rPr lang="en-US" altLang="ko-KR" b="1" dirty="0" smtClean="0">
+                <a:solidFill>
+                  <a:schemeClr val="accent4"/>
+                </a:solidFill>
+              </a:rPr>
+              <a:t> </a:t>
+            </a:r>
           </a:p>
           <a:p>
             <a:endParaRPr lang="en-US" altLang="ko-KR" b="1" dirty="0" smtClean="0">
